--- a/doc/elements/switches.pptx
+++ b/doc/elements/switches.pptx
@@ -271,7 +271,7 @@
               <a:pPr>
                 <a:defRPr/>
               </a:pPr>
-              <a:t>25.07.2016</a:t>
+              <a:t>17.02.2017</a:t>
             </a:fld>
             <a:endParaRPr lang="de-DE"/>
           </a:p>
@@ -5228,33 +5228,87 @@
       </p:grpSpPr>
       <p:graphicFrame>
         <p:nvGraphicFramePr>
-          <p:cNvPr id="16" name="Tabelle 15"/>
+          <p:cNvPr id="63" name="Tabelle 62"/>
           <p:cNvGraphicFramePr>
             <a:graphicFrameLocks noGrp="1"/>
           </p:cNvGraphicFramePr>
           <p:nvPr>
             <p:extLst>
               <p:ext uri="{D42A27DB-BD31-4B8C-83A1-F6EECF244321}">
-                <p14:modId xmlns:p14="http://schemas.microsoft.com/office/powerpoint/2010/main" val="2451913488"/>
+                <p14:modId xmlns:p14="http://schemas.microsoft.com/office/powerpoint/2010/main" val="2277360034"/>
               </p:ext>
             </p:extLst>
           </p:nvPr>
         </p:nvGraphicFramePr>
         <p:xfrm>
-          <a:off x="1409700" y="1896018"/>
-          <a:ext cx="6096000" cy="3218907"/>
+          <a:off x="219075" y="1267792"/>
+          <a:ext cx="8137529" cy="1940697"/>
         </p:xfrm>
         <a:graphic>
           <a:graphicData uri="http://schemas.openxmlformats.org/drawingml/2006/table">
             <a:tbl>
               <a:tblPr firstRow="1" bandRow="1">
-                <a:tableStyleId>{073A0DAA-6AF3-43AB-8588-CEC1D06C72B9}</a:tableStyleId>
+                <a:tableStyleId>{C4B1156A-380E-4F78-BDF5-A606A8083BF9}</a:tableStyleId>
               </a:tblPr>
               <a:tblGrid>
-                <a:gridCol w="3048000"/>
-                <a:gridCol w="3048000"/>
+                <a:gridCol w="1357313"/>
+                <a:gridCol w="2260072"/>
+                <a:gridCol w="2260072"/>
+                <a:gridCol w="2260072"/>
               </a:tblGrid>
-              <a:tr h="326972">
+              <a:tr h="274996">
+                <a:tc>
+                  <a:txBody>
+                    <a:bodyPr/>
+                    <a:lstStyle/>
+                    <a:p>
+                      <a:pPr algn="ctr"/>
+                      <a:endParaRPr lang="de-DE" sz="1600" dirty="0"/>
+                    </a:p>
+                  </a:txBody>
+                  <a:tcPr anchor="ctr">
+                    <a:lnL w="12700" cmpd="sng">
+                      <a:noFill/>
+                    </a:lnL>
+                    <a:lnR w="12700" cap="flat" cmpd="sng" algn="ctr">
+                      <a:solidFill>
+                        <a:schemeClr val="bg1">
+                          <a:lumMod val="75000"/>
+                        </a:schemeClr>
+                      </a:solidFill>
+                      <a:prstDash val="solid"/>
+                      <a:round/>
+                      <a:headEnd type="none" w="med" len="med"/>
+                      <a:tailEnd type="none" w="med" len="med"/>
+                    </a:lnR>
+                    <a:lnT w="12700" cap="flat" cmpd="sng" algn="ctr">
+                      <a:noFill/>
+                      <a:prstDash val="solid"/>
+                      <a:round/>
+                      <a:headEnd type="none" w="med" len="med"/>
+                      <a:tailEnd type="none" w="med" len="med"/>
+                    </a:lnT>
+                    <a:lnB w="12700" cap="flat" cmpd="sng" algn="ctr">
+                      <a:solidFill>
+                        <a:schemeClr val="bg1">
+                          <a:lumMod val="75000"/>
+                        </a:schemeClr>
+                      </a:solidFill>
+                      <a:prstDash val="solid"/>
+                      <a:round/>
+                      <a:headEnd type="none" w="med" len="med"/>
+                      <a:tailEnd type="none" w="med" len="med"/>
+                    </a:lnB>
+                    <a:lnTlToBr w="12700" cmpd="sng">
+                      <a:noFill/>
+                      <a:prstDash val="solid"/>
+                    </a:lnTlToBr>
+                    <a:lnBlToTr w="12700" cmpd="sng">
+                      <a:noFill/>
+                      <a:prstDash val="solid"/>
+                    </a:lnBlToTr>
+                  </a:tcPr>
+                </a:tc>
                 <a:tc>
                   <a:txBody>
                     <a:bodyPr/>
@@ -5262,9 +5316,140 @@
                     <a:p>
                       <a:pPr algn="ctr"/>
                       <a:r>
-                        <a:rPr lang="de-DE" sz="1400" dirty="0" smtClean="0"/>
-                        <a:t>Line</a:t>
+                        <a:rPr lang="de-DE" sz="1400" b="0" smtClean="0"/>
+                        <a:t>Bus-Bus</a:t>
                       </a:r>
+                      <a:r>
+                        <a:rPr lang="de-DE" sz="1400" b="0" baseline="0" smtClean="0"/>
+                        <a:t> Switches</a:t>
+                      </a:r>
+                      <a:endParaRPr lang="de-DE" sz="1600" b="0" dirty="0"/>
+                    </a:p>
+                  </a:txBody>
+                  <a:tcPr anchor="ctr">
+                    <a:lnL w="12700" cap="flat" cmpd="sng" algn="ctr">
+                      <a:solidFill>
+                        <a:schemeClr val="bg1">
+                          <a:lumMod val="75000"/>
+                        </a:schemeClr>
+                      </a:solidFill>
+                      <a:prstDash val="solid"/>
+                      <a:round/>
+                      <a:headEnd type="none" w="med" len="med"/>
+                      <a:tailEnd type="none" w="med" len="med"/>
+                    </a:lnL>
+                  </a:tcPr>
+                </a:tc>
+                <a:tc>
+                  <a:txBody>
+                    <a:bodyPr/>
+                    <a:lstStyle/>
+                    <a:p>
+                      <a:pPr marL="0" algn="ctr" defTabSz="914400" rtl="0" eaLnBrk="1" latinLnBrk="0" hangingPunct="1"/>
+                      <a:r>
+                        <a:rPr lang="de-DE" sz="1400" b="0" kern="1200" smtClean="0">
+                          <a:solidFill>
+                            <a:schemeClr val="dk1"/>
+                          </a:solidFill>
+                          <a:latin typeface="+mn-lt"/>
+                          <a:ea typeface="+mn-ea"/>
+                          <a:cs typeface="+mn-cs"/>
+                        </a:rPr>
+                        <a:t>Bus-Line Switches</a:t>
+                      </a:r>
+                      <a:endParaRPr lang="de-DE" sz="1400" b="0" kern="1200" dirty="0">
+                        <a:solidFill>
+                          <a:schemeClr val="dk1"/>
+                        </a:solidFill>
+                        <a:latin typeface="+mn-lt"/>
+                        <a:ea typeface="+mn-ea"/>
+                        <a:cs typeface="+mn-cs"/>
+                      </a:endParaRPr>
+                    </a:p>
+                  </a:txBody>
+                  <a:tcPr anchor="ctr"/>
+                </a:tc>
+                <a:tc>
+                  <a:txBody>
+                    <a:bodyPr/>
+                    <a:lstStyle/>
+                    <a:p>
+                      <a:pPr marL="0" marR="0" lvl="0" indent="0" algn="ctr" defTabSz="914400" rtl="0" eaLnBrk="1" fontAlgn="auto" latinLnBrk="0" hangingPunct="1">
+                        <a:lnSpc>
+                          <a:spcPct val="100000"/>
+                        </a:lnSpc>
+                        <a:spcBef>
+                          <a:spcPts val="0"/>
+                        </a:spcBef>
+                        <a:spcAft>
+                          <a:spcPts val="0"/>
+                        </a:spcAft>
+                        <a:buClrTx/>
+                        <a:buSzTx/>
+                        <a:buFontTx/>
+                        <a:buNone/>
+                        <a:tabLst/>
+                        <a:defRPr/>
+                      </a:pPr>
+                      <a:r>
+                        <a:rPr lang="de-DE" sz="1400" b="0" kern="1200" smtClean="0">
+                          <a:solidFill>
+                            <a:schemeClr val="dk1"/>
+                          </a:solidFill>
+                          <a:latin typeface="+mn-lt"/>
+                          <a:ea typeface="+mn-ea"/>
+                          <a:cs typeface="+mn-cs"/>
+                        </a:rPr>
+                        <a:t>Bus-Trafo </a:t>
+                      </a:r>
+                      <a:r>
+                        <a:rPr lang="de-DE" sz="1400" b="0" kern="1200" smtClean="0">
+                          <a:solidFill>
+                            <a:schemeClr val="dk1"/>
+                          </a:solidFill>
+                          <a:latin typeface="+mn-lt"/>
+                          <a:ea typeface="+mn-ea"/>
+                          <a:cs typeface="+mn-cs"/>
+                        </a:rPr>
+                        <a:t>Switches</a:t>
+                      </a:r>
+                    </a:p>
+                  </a:txBody>
+                  <a:tcPr anchor="ctr"/>
+                </a:tc>
+              </a:tr>
+              <a:tr h="535139">
+                <a:tc>
+                  <a:txBody>
+                    <a:bodyPr/>
+                    <a:lstStyle/>
+                    <a:p>
+                      <a:r>
+                        <a:rPr lang="de-DE" sz="1400" smtClean="0"/>
+                        <a:t>Switch Configuration</a:t>
+                      </a:r>
+                      <a:endParaRPr lang="de-DE" sz="1400" dirty="0"/>
+                    </a:p>
+                  </a:txBody>
+                  <a:tcPr anchor="ctr">
+                    <a:lnT w="12700" cap="flat" cmpd="sng" algn="ctr">
+                      <a:solidFill>
+                        <a:schemeClr val="bg1">
+                          <a:lumMod val="75000"/>
+                        </a:schemeClr>
+                      </a:solidFill>
+                      <a:prstDash val="solid"/>
+                      <a:round/>
+                      <a:headEnd type="none" w="med" len="med"/>
+                      <a:tailEnd type="none" w="med" len="med"/>
+                    </a:lnT>
+                  </a:tcPr>
+                </a:tc>
+                <a:tc>
+                  <a:txBody>
+                    <a:bodyPr/>
+                    <a:lstStyle/>
+                    <a:p>
                       <a:endParaRPr lang="de-DE" dirty="0"/>
                     </a:p>
                   </a:txBody>
@@ -5275,25 +5460,102 @@
                     <a:bodyPr/>
                     <a:lstStyle/>
                     <a:p>
-                      <a:pPr algn="ctr"/>
-                      <a:r>
-                        <a:rPr lang="de-DE" sz="1400" dirty="0" smtClean="0"/>
-                        <a:t>Transformer</a:t>
-                      </a:r>
-                      <a:endParaRPr lang="de-DE" sz="1400" dirty="0"/>
+                      <a:endParaRPr lang="de-DE" dirty="0"/>
+                    </a:p>
+                  </a:txBody>
+                  <a:tcPr/>
+                </a:tc>
+                <a:tc>
+                  <a:txBody>
+                    <a:bodyPr/>
+                    <a:lstStyle/>
+                    <a:p>
+                      <a:endParaRPr lang="de-DE" dirty="0"/>
                     </a:p>
                   </a:txBody>
                   <a:tcPr/>
                 </a:tc>
               </a:tr>
-              <a:tr h="2891935">
+              <a:tr h="535139">
                 <a:tc>
                   <a:txBody>
                     <a:bodyPr/>
                     <a:lstStyle/>
                     <a:p>
-                      <a:endParaRPr lang="de-DE" dirty="0" smtClean="0"/>
+                      <a:r>
+                        <a:rPr lang="de-DE" sz="1400" smtClean="0"/>
+                        <a:t>Common Approximation</a:t>
+                      </a:r>
+                      <a:endParaRPr lang="de-DE" sz="1400" dirty="0"/>
                     </a:p>
+                  </a:txBody>
+                  <a:tcPr anchor="ctr"/>
+                </a:tc>
+                <a:tc>
+                  <a:txBody>
+                    <a:bodyPr/>
+                    <a:lstStyle/>
+                    <a:p>
+                      <a:endParaRPr lang="de-DE" dirty="0"/>
+                    </a:p>
+                  </a:txBody>
+                  <a:tcPr/>
+                </a:tc>
+                <a:tc>
+                  <a:txBody>
+                    <a:bodyPr/>
+                    <a:lstStyle/>
+                    <a:p>
+                      <a:endParaRPr lang="de-DE" dirty="0"/>
+                    </a:p>
+                  </a:txBody>
+                  <a:tcPr/>
+                </a:tc>
+                <a:tc>
+                  <a:txBody>
+                    <a:bodyPr/>
+                    <a:lstStyle/>
+                    <a:p>
+                      <a:endParaRPr lang="de-DE" dirty="0"/>
+                    </a:p>
+                  </a:txBody>
+                  <a:tcPr/>
+                </a:tc>
+              </a:tr>
+              <a:tr h="535139">
+                <a:tc>
+                  <a:txBody>
+                    <a:bodyPr/>
+                    <a:lstStyle/>
+                    <a:p>
+                      <a:pPr algn="l"/>
+                      <a:r>
+                        <a:rPr lang="de-DE" sz="1400" smtClean="0"/>
+                        <a:t>pandapower Switch</a:t>
+                      </a:r>
+                      <a:r>
+                        <a:rPr lang="de-DE" sz="1400" baseline="0" smtClean="0"/>
+                        <a:t> Model</a:t>
+                      </a:r>
+                      <a:endParaRPr lang="de-DE" sz="1400" dirty="0"/>
+                    </a:p>
+                  </a:txBody>
+                  <a:tcPr anchor="ctr"/>
+                </a:tc>
+                <a:tc>
+                  <a:txBody>
+                    <a:bodyPr/>
+                    <a:lstStyle/>
+                    <a:p>
+                      <a:endParaRPr lang="de-DE" dirty="0"/>
+                    </a:p>
+                  </a:txBody>
+                  <a:tcPr/>
+                </a:tc>
+                <a:tc>
+                  <a:txBody>
+                    <a:bodyPr/>
+                    <a:lstStyle/>
                     <a:p>
                       <a:endParaRPr lang="de-DE" dirty="0"/>
                     </a:p>
@@ -5315,190 +5577,38 @@
           </a:graphicData>
         </a:graphic>
       </p:graphicFrame>
-      <p:sp>
-        <p:nvSpPr>
-          <p:cNvPr id="40" name="Textfeld 55"/>
-          <p:cNvSpPr txBox="1">
-            <a:spLocks noChangeArrowheads="1"/>
-          </p:cNvSpPr>
-          <p:nvPr/>
-        </p:nvSpPr>
-        <p:spPr bwMode="auto">
-          <a:xfrm>
-            <a:off x="6235700" y="4638947"/>
-            <a:ext cx="669925" cy="400050"/>
-          </a:xfrm>
-          <a:prstGeom prst="rect">
-            <a:avLst/>
-          </a:prstGeom>
-          <a:noFill/>
-          <a:ln>
-            <a:noFill/>
-          </a:ln>
-          <a:extLst>
-            <a:ext uri="{909E8E84-426E-40DD-AFC4-6F175D3DCCD1}">
-              <a14:hiddenFill xmlns:a14="http://schemas.microsoft.com/office/drawing/2010/main">
-                <a:solidFill>
-                  <a:srgbClr val="FFFFFF"/>
-                </a:solidFill>
-              </a14:hiddenFill>
-            </a:ext>
-            <a:ext uri="{91240B29-F687-4F45-9708-019B960494DF}">
-              <a14:hiddenLine xmlns:a14="http://schemas.microsoft.com/office/drawing/2010/main" w="9525">
-                <a:solidFill>
-                  <a:srgbClr val="000000"/>
-                </a:solidFill>
-                <a:miter lim="800000"/>
-                <a:headEnd/>
-                <a:tailEnd/>
-              </a14:hiddenLine>
-            </a:ext>
-          </a:extLst>
-        </p:spPr>
-        <p:txBody>
-          <a:bodyPr wrap="none">
-            <a:spAutoFit/>
-          </a:bodyPr>
-          <a:lstStyle>
-            <a:lvl1pPr>
-              <a:defRPr>
-                <a:solidFill>
-                  <a:schemeClr val="tx1"/>
-                </a:solidFill>
-                <a:latin typeface="Frutiger LT Com 55 Roman" pitchFamily="34" charset="0"/>
-              </a:defRPr>
-            </a:lvl1pPr>
-            <a:lvl2pPr marL="742950" indent="-285750">
-              <a:defRPr>
-                <a:solidFill>
-                  <a:schemeClr val="tx1"/>
-                </a:solidFill>
-                <a:latin typeface="Frutiger LT Com 55 Roman" pitchFamily="34" charset="0"/>
-              </a:defRPr>
-            </a:lvl2pPr>
-            <a:lvl3pPr marL="1143000" indent="-228600">
-              <a:defRPr>
-                <a:solidFill>
-                  <a:schemeClr val="tx1"/>
-                </a:solidFill>
-                <a:latin typeface="Frutiger LT Com 55 Roman" pitchFamily="34" charset="0"/>
-              </a:defRPr>
-            </a:lvl3pPr>
-            <a:lvl4pPr marL="1600200" indent="-228600">
-              <a:defRPr>
-                <a:solidFill>
-                  <a:schemeClr val="tx1"/>
-                </a:solidFill>
-                <a:latin typeface="Frutiger LT Com 55 Roman" pitchFamily="34" charset="0"/>
-              </a:defRPr>
-            </a:lvl4pPr>
-            <a:lvl5pPr marL="2057400" indent="-228600">
-              <a:defRPr>
-                <a:solidFill>
-                  <a:schemeClr val="tx1"/>
-                </a:solidFill>
-                <a:latin typeface="Frutiger LT Com 55 Roman" pitchFamily="34" charset="0"/>
-              </a:defRPr>
-            </a:lvl5pPr>
-            <a:lvl6pPr marL="2514600" indent="-228600" eaLnBrk="0" fontAlgn="base" hangingPunct="0">
-              <a:spcBef>
-                <a:spcPct val="0"/>
-              </a:spcBef>
-              <a:spcAft>
-                <a:spcPct val="0"/>
-              </a:spcAft>
-              <a:defRPr>
-                <a:solidFill>
-                  <a:schemeClr val="tx1"/>
-                </a:solidFill>
-                <a:latin typeface="Frutiger LT Com 55 Roman" pitchFamily="34" charset="0"/>
-              </a:defRPr>
-            </a:lvl6pPr>
-            <a:lvl7pPr marL="2971800" indent="-228600" eaLnBrk="0" fontAlgn="base" hangingPunct="0">
-              <a:spcBef>
-                <a:spcPct val="0"/>
-              </a:spcBef>
-              <a:spcAft>
-                <a:spcPct val="0"/>
-              </a:spcAft>
-              <a:defRPr>
-                <a:solidFill>
-                  <a:schemeClr val="tx1"/>
-                </a:solidFill>
-                <a:latin typeface="Frutiger LT Com 55 Roman" pitchFamily="34" charset="0"/>
-              </a:defRPr>
-            </a:lvl7pPr>
-            <a:lvl8pPr marL="3429000" indent="-228600" eaLnBrk="0" fontAlgn="base" hangingPunct="0">
-              <a:spcBef>
-                <a:spcPct val="0"/>
-              </a:spcBef>
-              <a:spcAft>
-                <a:spcPct val="0"/>
-              </a:spcAft>
-              <a:defRPr>
-                <a:solidFill>
-                  <a:schemeClr val="tx1"/>
-                </a:solidFill>
-                <a:latin typeface="Frutiger LT Com 55 Roman" pitchFamily="34" charset="0"/>
-              </a:defRPr>
-            </a:lvl8pPr>
-            <a:lvl9pPr marL="3886200" indent="-228600" eaLnBrk="0" fontAlgn="base" hangingPunct="0">
-              <a:spcBef>
-                <a:spcPct val="0"/>
-              </a:spcBef>
-              <a:spcAft>
-                <a:spcPct val="0"/>
-              </a:spcAft>
-              <a:defRPr>
-                <a:solidFill>
-                  <a:schemeClr val="tx1"/>
-                </a:solidFill>
-                <a:latin typeface="Frutiger LT Com 55 Roman" pitchFamily="34" charset="0"/>
-              </a:defRPr>
-            </a:lvl9pPr>
-          </a:lstStyle>
-          <a:p>
-            <a:r>
-              <a:rPr lang="de-DE" altLang="de-DE" sz="1000" dirty="0"/>
-              <a:t>Auxiliary</a:t>
-            </a:r>
-            <a:br>
-              <a:rPr lang="de-DE" altLang="de-DE" sz="1000" dirty="0"/>
-            </a:br>
-            <a:r>
-              <a:rPr lang="de-DE" altLang="de-DE" sz="1000" dirty="0"/>
-              <a:t>Bus</a:t>
-            </a:r>
-          </a:p>
-        </p:txBody>
-      </p:sp>
       <p:cxnSp>
         <p:nvCxnSpPr>
-          <p:cNvPr id="41" name="Gerade Verbindung mit Pfeil 40"/>
-          <p:cNvCxnSpPr/>
+          <p:cNvPr id="89" name="Gerader Verbinder 88"/>
+          <p:cNvCxnSpPr>
+            <a:stCxn id="96" idx="2"/>
+            <a:endCxn id="98" idx="2"/>
+          </p:cNvCxnSpPr>
           <p:nvPr/>
         </p:nvCxnSpPr>
         <p:spPr>
           <a:xfrm flipV="1">
-            <a:off x="6570663" y="4484960"/>
-            <a:ext cx="161925" cy="188912"/>
-          </a:xfrm>
-          <a:prstGeom prst="straightConnector1">
-            <a:avLst/>
-          </a:prstGeom>
-          <a:ln>
-            <a:tailEnd type="triangle"/>
+            <a:off x="4050544" y="1876082"/>
+            <a:ext cx="1773233" cy="5558"/>
+          </a:xfrm>
+          <a:prstGeom prst="line">
+            <a:avLst/>
+          </a:prstGeom>
+          <a:ln w="25400">
+            <a:solidFill>
+              <a:schemeClr val="tx1"/>
+            </a:solidFill>
           </a:ln>
         </p:spPr>
         <p:style>
           <a:lnRef idx="1">
-            <a:schemeClr val="accent4"/>
+            <a:schemeClr val="accent1"/>
           </a:lnRef>
           <a:fillRef idx="0">
-            <a:schemeClr val="accent4"/>
+            <a:schemeClr val="accent1"/>
           </a:fillRef>
           <a:effectRef idx="0">
-            <a:schemeClr val="accent4"/>
+            <a:schemeClr val="accent1"/>
           </a:effectRef>
           <a:fontRef idx="minor">
             <a:schemeClr val="tx1"/>
@@ -5507,80 +5617,25 @@
       </p:cxnSp>
       <p:sp>
         <p:nvSpPr>
-          <p:cNvPr id="49" name="Pfeil nach unten 48"/>
+          <p:cNvPr id="95" name="Rechteck 94"/>
           <p:cNvSpPr/>
           <p:nvPr/>
         </p:nvSpPr>
-        <p:spPr>
-          <a:xfrm>
-            <a:off x="5811838" y="3302272"/>
-            <a:ext cx="312737" cy="776288"/>
-          </a:xfrm>
-          <a:prstGeom prst="downArrow">
+        <p:spPr bwMode="black">
+          <a:xfrm>
+            <a:off x="4180719" y="1831633"/>
+            <a:ext cx="88900" cy="92075"/>
+          </a:xfrm>
+          <a:prstGeom prst="rect">
             <a:avLst/>
           </a:prstGeom>
           <a:solidFill>
-            <a:schemeClr val="bg1"/>
+            <a:schemeClr val="tx1"/>
           </a:solidFill>
-          <a:ln>
+          <a:ln w="15875">
             <a:solidFill>
               <a:schemeClr val="tx1"/>
             </a:solidFill>
-          </a:ln>
-        </p:spPr>
-        <p:style>
-          <a:lnRef idx="2">
-            <a:schemeClr val="accent1">
-              <a:shade val="50000"/>
-            </a:schemeClr>
-          </a:lnRef>
-          <a:fillRef idx="1">
-            <a:schemeClr val="accent1"/>
-          </a:fillRef>
-          <a:effectRef idx="0">
-            <a:schemeClr val="accent1"/>
-          </a:effectRef>
-          <a:fontRef idx="minor">
-            <a:schemeClr val="lt1"/>
-          </a:fontRef>
-        </p:style>
-        <p:txBody>
-          <a:bodyPr vert="vert" anchor="ctr"/>
-          <a:lstStyle/>
-          <a:p>
-            <a:pPr algn="ctr">
-              <a:defRPr/>
-            </a:pPr>
-            <a:r>
-              <a:rPr lang="de-DE" sz="1000" dirty="0">
-                <a:solidFill>
-                  <a:schemeClr val="tx1"/>
-                </a:solidFill>
-              </a:rPr>
-              <a:t>pd2mpc</a:t>
-            </a:r>
-          </a:p>
-        </p:txBody>
-      </p:sp>
-      <p:sp>
-        <p:nvSpPr>
-          <p:cNvPr id="59" name="Ellipse 58"/>
-          <p:cNvSpPr/>
-          <p:nvPr/>
-        </p:nvSpPr>
-        <p:spPr>
-          <a:xfrm>
-            <a:off x="4921250" y="4410347"/>
-            <a:ext cx="80963" cy="80963"/>
-          </a:xfrm>
-          <a:prstGeom prst="ellipse">
-            <a:avLst/>
-          </a:prstGeom>
-          <a:solidFill>
-            <a:schemeClr val="tx1"/>
-          </a:solidFill>
-          <a:ln>
-            <a:noFill/>
           </a:ln>
         </p:spPr>
         <p:style>
@@ -5612,14 +5667,14 @@
       </p:sp>
       <p:sp>
         <p:nvSpPr>
-          <p:cNvPr id="60" name="Ellipse 59"/>
+          <p:cNvPr id="96" name="Ellipse 95"/>
           <p:cNvSpPr/>
           <p:nvPr/>
         </p:nvSpPr>
-        <p:spPr>
-          <a:xfrm>
-            <a:off x="6964363" y="4403997"/>
-            <a:ext cx="80962" cy="80963"/>
+        <p:spPr bwMode="black">
+          <a:xfrm>
+            <a:off x="4050544" y="1841158"/>
+            <a:ext cx="82550" cy="80963"/>
           </a:xfrm>
           <a:prstGeom prst="ellipse">
             <a:avLst/>
@@ -5660,23 +5715,25 @@
       </p:sp>
       <p:sp>
         <p:nvSpPr>
-          <p:cNvPr id="62" name="Ellipse 61"/>
+          <p:cNvPr id="97" name="Rechteck 96"/>
           <p:cNvSpPr/>
           <p:nvPr/>
         </p:nvSpPr>
         <p:spPr>
           <a:xfrm>
-            <a:off x="6726238" y="4403997"/>
-            <a:ext cx="82550" cy="80963"/>
-          </a:xfrm>
-          <a:prstGeom prst="ellipse">
+            <a:off x="5691222" y="1825283"/>
+            <a:ext cx="90487" cy="92075"/>
+          </a:xfrm>
+          <a:prstGeom prst="rect">
             <a:avLst/>
           </a:prstGeom>
           <a:solidFill>
-            <a:schemeClr val="tx1"/>
+            <a:schemeClr val="bg1"/>
           </a:solidFill>
-          <a:ln>
-            <a:noFill/>
+          <a:ln w="15875">
+            <a:solidFill>
+              <a:schemeClr val="tx1"/>
+            </a:solidFill>
           </a:ln>
         </p:spPr>
         <p:style>
@@ -5706,468 +5763,25 @@
           </a:p>
         </p:txBody>
       </p:sp>
-      <p:cxnSp>
-        <p:nvCxnSpPr>
-          <p:cNvPr id="68" name="Gerader Verbinder 67"/>
-          <p:cNvCxnSpPr>
-            <a:endCxn id="80" idx="6"/>
-          </p:cNvCxnSpPr>
-          <p:nvPr/>
-        </p:nvCxnSpPr>
-        <p:spPr>
-          <a:xfrm flipH="1">
-            <a:off x="6371777" y="2886021"/>
-            <a:ext cx="617548" cy="3125"/>
-          </a:xfrm>
-          <a:prstGeom prst="line">
-            <a:avLst/>
-          </a:prstGeom>
-          <a:ln w="31750">
-            <a:solidFill>
-              <a:schemeClr val="tx1"/>
-            </a:solidFill>
-          </a:ln>
-        </p:spPr>
-        <p:style>
-          <a:lnRef idx="1">
-            <a:schemeClr val="accent1"/>
-          </a:lnRef>
-          <a:fillRef idx="0">
-            <a:schemeClr val="accent1"/>
-          </a:fillRef>
-          <a:effectRef idx="0">
-            <a:schemeClr val="accent1"/>
-          </a:effectRef>
-          <a:fontRef idx="minor">
-            <a:schemeClr val="tx1"/>
-          </a:fontRef>
-        </p:style>
-      </p:cxnSp>
-      <p:cxnSp>
-        <p:nvCxnSpPr>
-          <p:cNvPr id="69" name="Gerader Verbinder 68"/>
-          <p:cNvCxnSpPr>
-            <a:stCxn id="78" idx="2"/>
-          </p:cNvCxnSpPr>
-          <p:nvPr/>
-        </p:nvCxnSpPr>
-        <p:spPr>
-          <a:xfrm flipH="1">
-            <a:off x="4932308" y="2889146"/>
-            <a:ext cx="689296" cy="6132"/>
-          </a:xfrm>
-          <a:prstGeom prst="line">
-            <a:avLst/>
-          </a:prstGeom>
-          <a:ln w="31750">
-            <a:solidFill>
-              <a:schemeClr val="tx1"/>
-            </a:solidFill>
-          </a:ln>
-        </p:spPr>
-        <p:style>
-          <a:lnRef idx="1">
-            <a:schemeClr val="accent1"/>
-          </a:lnRef>
-          <a:fillRef idx="0">
-            <a:schemeClr val="accent1"/>
-          </a:fillRef>
-          <a:effectRef idx="0">
-            <a:schemeClr val="accent1"/>
-          </a:effectRef>
-          <a:fontRef idx="minor">
-            <a:schemeClr val="tx1"/>
-          </a:fontRef>
-        </p:style>
-      </p:cxnSp>
       <p:sp>
         <p:nvSpPr>
-          <p:cNvPr id="70" name="Textfeld 31"/>
-          <p:cNvSpPr txBox="1">
-            <a:spLocks noChangeArrowheads="1"/>
-          </p:cNvSpPr>
-          <p:nvPr/>
-        </p:nvSpPr>
-        <p:spPr bwMode="auto">
-          <a:xfrm>
-            <a:off x="4972131" y="2433315"/>
-            <a:ext cx="582612" cy="246062"/>
-          </a:xfrm>
-          <a:prstGeom prst="rect">
-            <a:avLst/>
-          </a:prstGeom>
-          <a:noFill/>
-          <a:ln>
-            <a:noFill/>
-          </a:ln>
-          <a:extLst>
-            <a:ext uri="{909E8E84-426E-40DD-AFC4-6F175D3DCCD1}">
-              <a14:hiddenFill xmlns:a14="http://schemas.microsoft.com/office/drawing/2010/main">
-                <a:solidFill>
-                  <a:srgbClr val="FFFFFF"/>
-                </a:solidFill>
-              </a14:hiddenFill>
-            </a:ext>
-            <a:ext uri="{91240B29-F687-4F45-9708-019B960494DF}">
-              <a14:hiddenLine xmlns:a14="http://schemas.microsoft.com/office/drawing/2010/main" w="9525">
-                <a:solidFill>
-                  <a:srgbClr val="000000"/>
-                </a:solidFill>
-                <a:miter lim="800000"/>
-                <a:headEnd/>
-                <a:tailEnd/>
-              </a14:hiddenLine>
-            </a:ext>
-          </a:extLst>
-        </p:spPr>
-        <p:txBody>
-          <a:bodyPr wrap="none">
-            <a:spAutoFit/>
-          </a:bodyPr>
-          <a:lstStyle>
-            <a:lvl1pPr>
-              <a:defRPr>
-                <a:solidFill>
-                  <a:schemeClr val="tx1"/>
-                </a:solidFill>
-                <a:latin typeface="Frutiger LT Com 55 Roman" pitchFamily="34" charset="0"/>
-              </a:defRPr>
-            </a:lvl1pPr>
-            <a:lvl2pPr marL="742950" indent="-285750">
-              <a:defRPr>
-                <a:solidFill>
-                  <a:schemeClr val="tx1"/>
-                </a:solidFill>
-                <a:latin typeface="Frutiger LT Com 55 Roman" pitchFamily="34" charset="0"/>
-              </a:defRPr>
-            </a:lvl2pPr>
-            <a:lvl3pPr marL="1143000" indent="-228600">
-              <a:defRPr>
-                <a:solidFill>
-                  <a:schemeClr val="tx1"/>
-                </a:solidFill>
-                <a:latin typeface="Frutiger LT Com 55 Roman" pitchFamily="34" charset="0"/>
-              </a:defRPr>
-            </a:lvl3pPr>
-            <a:lvl4pPr marL="1600200" indent="-228600">
-              <a:defRPr>
-                <a:solidFill>
-                  <a:schemeClr val="tx1"/>
-                </a:solidFill>
-                <a:latin typeface="Frutiger LT Com 55 Roman" pitchFamily="34" charset="0"/>
-              </a:defRPr>
-            </a:lvl4pPr>
-            <a:lvl5pPr marL="2057400" indent="-228600">
-              <a:defRPr>
-                <a:solidFill>
-                  <a:schemeClr val="tx1"/>
-                </a:solidFill>
-                <a:latin typeface="Frutiger LT Com 55 Roman" pitchFamily="34" charset="0"/>
-              </a:defRPr>
-            </a:lvl5pPr>
-            <a:lvl6pPr marL="2514600" indent="-228600" eaLnBrk="0" fontAlgn="base" hangingPunct="0">
-              <a:spcBef>
-                <a:spcPct val="0"/>
-              </a:spcBef>
-              <a:spcAft>
-                <a:spcPct val="0"/>
-              </a:spcAft>
-              <a:defRPr>
-                <a:solidFill>
-                  <a:schemeClr val="tx1"/>
-                </a:solidFill>
-                <a:latin typeface="Frutiger LT Com 55 Roman" pitchFamily="34" charset="0"/>
-              </a:defRPr>
-            </a:lvl6pPr>
-            <a:lvl7pPr marL="2971800" indent="-228600" eaLnBrk="0" fontAlgn="base" hangingPunct="0">
-              <a:spcBef>
-                <a:spcPct val="0"/>
-              </a:spcBef>
-              <a:spcAft>
-                <a:spcPct val="0"/>
-              </a:spcAft>
-              <a:defRPr>
-                <a:solidFill>
-                  <a:schemeClr val="tx1"/>
-                </a:solidFill>
-                <a:latin typeface="Frutiger LT Com 55 Roman" pitchFamily="34" charset="0"/>
-              </a:defRPr>
-            </a:lvl7pPr>
-            <a:lvl8pPr marL="3429000" indent="-228600" eaLnBrk="0" fontAlgn="base" hangingPunct="0">
-              <a:spcBef>
-                <a:spcPct val="0"/>
-              </a:spcBef>
-              <a:spcAft>
-                <a:spcPct val="0"/>
-              </a:spcAft>
-              <a:defRPr>
-                <a:solidFill>
-                  <a:schemeClr val="tx1"/>
-                </a:solidFill>
-                <a:latin typeface="Frutiger LT Com 55 Roman" pitchFamily="34" charset="0"/>
-              </a:defRPr>
-            </a:lvl8pPr>
-            <a:lvl9pPr marL="3886200" indent="-228600" eaLnBrk="0" fontAlgn="base" hangingPunct="0">
-              <a:spcBef>
-                <a:spcPct val="0"/>
-              </a:spcBef>
-              <a:spcAft>
-                <a:spcPct val="0"/>
-              </a:spcAft>
-              <a:defRPr>
-                <a:solidFill>
-                  <a:schemeClr val="tx1"/>
-                </a:solidFill>
-                <a:latin typeface="Frutiger LT Com 55 Roman" pitchFamily="34" charset="0"/>
-              </a:defRPr>
-            </a:lvl9pPr>
-          </a:lstStyle>
-          <a:p>
-            <a:r>
-              <a:rPr lang="de-DE" altLang="de-DE" sz="1000" dirty="0"/>
-              <a:t>Closed</a:t>
-            </a:r>
-          </a:p>
-        </p:txBody>
-      </p:sp>
-      <p:cxnSp>
-        <p:nvCxnSpPr>
-          <p:cNvPr id="71" name="Gerade Verbindung mit Pfeil 70"/>
-          <p:cNvCxnSpPr/>
-          <p:nvPr/>
-        </p:nvCxnSpPr>
-        <p:spPr>
-          <a:xfrm flipH="1">
-            <a:off x="5094368" y="2628577"/>
-            <a:ext cx="209550" cy="193675"/>
-          </a:xfrm>
-          <a:prstGeom prst="straightConnector1">
-            <a:avLst/>
-          </a:prstGeom>
-          <a:ln>
-            <a:tailEnd type="triangle"/>
-          </a:ln>
-        </p:spPr>
-        <p:style>
-          <a:lnRef idx="1">
-            <a:schemeClr val="accent4"/>
-          </a:lnRef>
-          <a:fillRef idx="0">
-            <a:schemeClr val="accent4"/>
-          </a:fillRef>
-          <a:effectRef idx="0">
-            <a:schemeClr val="accent4"/>
-          </a:effectRef>
-          <a:fontRef idx="minor">
-            <a:schemeClr val="tx1"/>
-          </a:fontRef>
-        </p:style>
-      </p:cxnSp>
-      <p:sp>
-        <p:nvSpPr>
-          <p:cNvPr id="72" name="Textfeld 34"/>
-          <p:cNvSpPr txBox="1">
-            <a:spLocks noChangeArrowheads="1"/>
-          </p:cNvSpPr>
-          <p:nvPr/>
-        </p:nvSpPr>
-        <p:spPr bwMode="auto">
-          <a:xfrm>
-            <a:off x="6258006" y="2392040"/>
-            <a:ext cx="495300" cy="246062"/>
-          </a:xfrm>
-          <a:prstGeom prst="rect">
-            <a:avLst/>
-          </a:prstGeom>
-          <a:noFill/>
-          <a:ln>
-            <a:noFill/>
-          </a:ln>
-          <a:extLst>
-            <a:ext uri="{909E8E84-426E-40DD-AFC4-6F175D3DCCD1}">
-              <a14:hiddenFill xmlns:a14="http://schemas.microsoft.com/office/drawing/2010/main">
-                <a:solidFill>
-                  <a:srgbClr val="FFFFFF"/>
-                </a:solidFill>
-              </a14:hiddenFill>
-            </a:ext>
-            <a:ext uri="{91240B29-F687-4F45-9708-019B960494DF}">
-              <a14:hiddenLine xmlns:a14="http://schemas.microsoft.com/office/drawing/2010/main" w="9525">
-                <a:solidFill>
-                  <a:srgbClr val="000000"/>
-                </a:solidFill>
-                <a:miter lim="800000"/>
-                <a:headEnd/>
-                <a:tailEnd/>
-              </a14:hiddenLine>
-            </a:ext>
-          </a:extLst>
-        </p:spPr>
-        <p:txBody>
-          <a:bodyPr wrap="none">
-            <a:spAutoFit/>
-          </a:bodyPr>
-          <a:lstStyle>
-            <a:lvl1pPr>
-              <a:defRPr>
-                <a:solidFill>
-                  <a:schemeClr val="tx1"/>
-                </a:solidFill>
-                <a:latin typeface="Frutiger LT Com 55 Roman" pitchFamily="34" charset="0"/>
-              </a:defRPr>
-            </a:lvl1pPr>
-            <a:lvl2pPr marL="742950" indent="-285750">
-              <a:defRPr>
-                <a:solidFill>
-                  <a:schemeClr val="tx1"/>
-                </a:solidFill>
-                <a:latin typeface="Frutiger LT Com 55 Roman" pitchFamily="34" charset="0"/>
-              </a:defRPr>
-            </a:lvl2pPr>
-            <a:lvl3pPr marL="1143000" indent="-228600">
-              <a:defRPr>
-                <a:solidFill>
-                  <a:schemeClr val="tx1"/>
-                </a:solidFill>
-                <a:latin typeface="Frutiger LT Com 55 Roman" pitchFamily="34" charset="0"/>
-              </a:defRPr>
-            </a:lvl3pPr>
-            <a:lvl4pPr marL="1600200" indent="-228600">
-              <a:defRPr>
-                <a:solidFill>
-                  <a:schemeClr val="tx1"/>
-                </a:solidFill>
-                <a:latin typeface="Frutiger LT Com 55 Roman" pitchFamily="34" charset="0"/>
-              </a:defRPr>
-            </a:lvl4pPr>
-            <a:lvl5pPr marL="2057400" indent="-228600">
-              <a:defRPr>
-                <a:solidFill>
-                  <a:schemeClr val="tx1"/>
-                </a:solidFill>
-                <a:latin typeface="Frutiger LT Com 55 Roman" pitchFamily="34" charset="0"/>
-              </a:defRPr>
-            </a:lvl5pPr>
-            <a:lvl6pPr marL="2514600" indent="-228600" eaLnBrk="0" fontAlgn="base" hangingPunct="0">
-              <a:spcBef>
-                <a:spcPct val="0"/>
-              </a:spcBef>
-              <a:spcAft>
-                <a:spcPct val="0"/>
-              </a:spcAft>
-              <a:defRPr>
-                <a:solidFill>
-                  <a:schemeClr val="tx1"/>
-                </a:solidFill>
-                <a:latin typeface="Frutiger LT Com 55 Roman" pitchFamily="34" charset="0"/>
-              </a:defRPr>
-            </a:lvl6pPr>
-            <a:lvl7pPr marL="2971800" indent="-228600" eaLnBrk="0" fontAlgn="base" hangingPunct="0">
-              <a:spcBef>
-                <a:spcPct val="0"/>
-              </a:spcBef>
-              <a:spcAft>
-                <a:spcPct val="0"/>
-              </a:spcAft>
-              <a:defRPr>
-                <a:solidFill>
-                  <a:schemeClr val="tx1"/>
-                </a:solidFill>
-                <a:latin typeface="Frutiger LT Com 55 Roman" pitchFamily="34" charset="0"/>
-              </a:defRPr>
-            </a:lvl7pPr>
-            <a:lvl8pPr marL="3429000" indent="-228600" eaLnBrk="0" fontAlgn="base" hangingPunct="0">
-              <a:spcBef>
-                <a:spcPct val="0"/>
-              </a:spcBef>
-              <a:spcAft>
-                <a:spcPct val="0"/>
-              </a:spcAft>
-              <a:defRPr>
-                <a:solidFill>
-                  <a:schemeClr val="tx1"/>
-                </a:solidFill>
-                <a:latin typeface="Frutiger LT Com 55 Roman" pitchFamily="34" charset="0"/>
-              </a:defRPr>
-            </a:lvl8pPr>
-            <a:lvl9pPr marL="3886200" indent="-228600" eaLnBrk="0" fontAlgn="base" hangingPunct="0">
-              <a:spcBef>
-                <a:spcPct val="0"/>
-              </a:spcBef>
-              <a:spcAft>
-                <a:spcPct val="0"/>
-              </a:spcAft>
-              <a:defRPr>
-                <a:solidFill>
-                  <a:schemeClr val="tx1"/>
-                </a:solidFill>
-                <a:latin typeface="Frutiger LT Com 55 Roman" pitchFamily="34" charset="0"/>
-              </a:defRPr>
-            </a:lvl9pPr>
-          </a:lstStyle>
-          <a:p>
-            <a:r>
-              <a:rPr lang="de-DE" altLang="de-DE" sz="1000"/>
-              <a:t>Open</a:t>
-            </a:r>
-          </a:p>
-        </p:txBody>
-      </p:sp>
-      <p:cxnSp>
-        <p:nvCxnSpPr>
-          <p:cNvPr id="73" name="Gerade Verbindung mit Pfeil 72"/>
-          <p:cNvCxnSpPr/>
-          <p:nvPr/>
-        </p:nvCxnSpPr>
-        <p:spPr>
-          <a:xfrm flipH="1" flipV="1">
-            <a:off x="6615193" y="2604765"/>
-            <a:ext cx="236538" cy="215900"/>
-          </a:xfrm>
-          <a:prstGeom prst="straightConnector1">
-            <a:avLst/>
-          </a:prstGeom>
-          <a:ln>
-            <a:headEnd type="triangle"/>
-            <a:tailEnd type="none"/>
-          </a:ln>
-        </p:spPr>
-        <p:style>
-          <a:lnRef idx="1">
-            <a:schemeClr val="accent4"/>
-          </a:lnRef>
-          <a:fillRef idx="0">
-            <a:schemeClr val="accent4"/>
-          </a:fillRef>
-          <a:effectRef idx="0">
-            <a:schemeClr val="accent4"/>
-          </a:effectRef>
-          <a:fontRef idx="minor">
-            <a:schemeClr val="tx1"/>
-          </a:fontRef>
-        </p:style>
-      </p:cxnSp>
-      <p:sp>
-        <p:nvSpPr>
-          <p:cNvPr id="74" name="Rechteck 73"/>
+          <p:cNvPr id="98" name="Ellipse 97"/>
           <p:cNvSpPr/>
           <p:nvPr/>
         </p:nvSpPr>
-        <p:spPr>
-          <a:xfrm>
-            <a:off x="5041981" y="2846065"/>
-            <a:ext cx="88900" cy="93662"/>
-          </a:xfrm>
-          <a:prstGeom prst="rect">
+        <p:spPr bwMode="black">
+          <a:xfrm>
+            <a:off x="5823777" y="1834807"/>
+            <a:ext cx="80963" cy="82550"/>
+          </a:xfrm>
+          <a:prstGeom prst="ellipse">
             <a:avLst/>
           </a:prstGeom>
           <a:solidFill>
             <a:schemeClr val="tx1"/>
           </a:solidFill>
-          <a:ln w="15875">
-            <a:solidFill>
-              <a:schemeClr val="tx1"/>
-            </a:solidFill>
+          <a:ln>
+            <a:noFill/>
           </a:ln>
         </p:spPr>
         <p:style>
@@ -6199,14 +5813,14 @@
       </p:sp>
       <p:sp>
         <p:nvSpPr>
-          <p:cNvPr id="75" name="Ellipse 74"/>
+          <p:cNvPr id="99" name="Ellipse 98"/>
           <p:cNvSpPr/>
           <p:nvPr/>
         </p:nvSpPr>
-        <p:spPr>
-          <a:xfrm>
-            <a:off x="4911806" y="2855590"/>
-            <a:ext cx="82550" cy="82550"/>
+        <p:spPr bwMode="black">
+          <a:xfrm>
+            <a:off x="4052131" y="2887431"/>
+            <a:ext cx="80963" cy="80963"/>
           </a:xfrm>
           <a:prstGeom prst="ellipse">
             <a:avLst/>
@@ -6247,25 +5861,23 @@
       </p:sp>
       <p:sp>
         <p:nvSpPr>
-          <p:cNvPr id="76" name="Rechteck 75"/>
+          <p:cNvPr id="100" name="Ellipse 99"/>
           <p:cNvSpPr/>
           <p:nvPr/>
         </p:nvSpPr>
-        <p:spPr>
-          <a:xfrm>
-            <a:off x="6816806" y="2841302"/>
-            <a:ext cx="90487" cy="92075"/>
-          </a:xfrm>
-          <a:prstGeom prst="rect">
+        <p:spPr bwMode="black">
+          <a:xfrm>
+            <a:off x="5819248" y="2889117"/>
+            <a:ext cx="80962" cy="80963"/>
+          </a:xfrm>
+          <a:prstGeom prst="ellipse">
             <a:avLst/>
           </a:prstGeom>
           <a:solidFill>
-            <a:schemeClr val="bg1"/>
+            <a:schemeClr val="tx1"/>
           </a:solidFill>
-          <a:ln w="15875">
-            <a:solidFill>
-              <a:schemeClr val="tx1"/>
-            </a:solidFill>
+          <a:ln>
+            <a:noFill/>
           </a:ln>
         </p:spPr>
         <p:style>
@@ -6295,16 +5907,54 @@
           </a:p>
         </p:txBody>
       </p:sp>
+      <p:cxnSp>
+        <p:nvCxnSpPr>
+          <p:cNvPr id="101" name="Gerader Verbinder 100"/>
+          <p:cNvCxnSpPr>
+            <a:stCxn id="99" idx="6"/>
+            <a:endCxn id="102" idx="2"/>
+          </p:cNvCxnSpPr>
+          <p:nvPr/>
+        </p:nvCxnSpPr>
+        <p:spPr>
+          <a:xfrm>
+            <a:off x="4133094" y="2927913"/>
+            <a:ext cx="1406740" cy="3369"/>
+          </a:xfrm>
+          <a:prstGeom prst="line">
+            <a:avLst/>
+          </a:prstGeom>
+          <a:ln w="25400">
+            <a:solidFill>
+              <a:schemeClr val="tx1"/>
+            </a:solidFill>
+          </a:ln>
+        </p:spPr>
+        <p:style>
+          <a:lnRef idx="1">
+            <a:schemeClr val="accent1"/>
+          </a:lnRef>
+          <a:fillRef idx="0">
+            <a:schemeClr val="accent1"/>
+          </a:fillRef>
+          <a:effectRef idx="0">
+            <a:schemeClr val="accent1"/>
+          </a:effectRef>
+          <a:fontRef idx="minor">
+            <a:schemeClr val="tx1"/>
+          </a:fontRef>
+        </p:style>
+      </p:cxnSp>
       <p:sp>
         <p:nvSpPr>
-          <p:cNvPr id="77" name="Ellipse 76"/>
+          <p:cNvPr id="102" name="Ellipse 101"/>
           <p:cNvSpPr/>
           <p:nvPr/>
         </p:nvSpPr>
-        <p:spPr>
-          <a:xfrm>
-            <a:off x="6954918" y="2850827"/>
-            <a:ext cx="80963" cy="80963"/>
+        <p:spPr bwMode="black">
+          <a:xfrm>
+            <a:off x="5539834" y="2890800"/>
+            <a:ext cx="82550" cy="80963"/>
           </a:xfrm>
           <a:prstGeom prst="ellipse">
             <a:avLst/>
@@ -6343,6 +5993,78 @@
           </a:p>
         </p:txBody>
       </p:sp>
+      <p:cxnSp>
+        <p:nvCxnSpPr>
+          <p:cNvPr id="140" name="Gerader Verbinder 139"/>
+          <p:cNvCxnSpPr>
+            <a:endCxn id="139" idx="2"/>
+          </p:cNvCxnSpPr>
+          <p:nvPr/>
+        </p:nvCxnSpPr>
+        <p:spPr>
+          <a:xfrm flipV="1">
+            <a:off x="7453037" y="1865025"/>
+            <a:ext cx="646821" cy="3082"/>
+          </a:xfrm>
+          <a:prstGeom prst="line">
+            <a:avLst/>
+          </a:prstGeom>
+          <a:ln w="25400">
+            <a:solidFill>
+              <a:schemeClr val="tx1"/>
+            </a:solidFill>
+          </a:ln>
+        </p:spPr>
+        <p:style>
+          <a:lnRef idx="1">
+            <a:schemeClr val="accent1"/>
+          </a:lnRef>
+          <a:fillRef idx="0">
+            <a:schemeClr val="accent1"/>
+          </a:fillRef>
+          <a:effectRef idx="0">
+            <a:schemeClr val="accent1"/>
+          </a:effectRef>
+          <a:fontRef idx="minor">
+            <a:schemeClr val="tx1"/>
+          </a:fontRef>
+        </p:style>
+      </p:cxnSp>
+      <p:cxnSp>
+        <p:nvCxnSpPr>
+          <p:cNvPr id="136" name="Gerader Verbinder 135"/>
+          <p:cNvCxnSpPr/>
+          <p:nvPr/>
+        </p:nvCxnSpPr>
+        <p:spPr>
+          <a:xfrm>
+            <a:off x="7453037" y="1868107"/>
+            <a:ext cx="677593" cy="201"/>
+          </a:xfrm>
+          <a:prstGeom prst="line">
+            <a:avLst/>
+          </a:prstGeom>
+          <a:ln w="25400">
+            <a:solidFill>
+              <a:schemeClr val="tx1"/>
+            </a:solidFill>
+          </a:ln>
+        </p:spPr>
+        <p:style>
+          <a:lnRef idx="1">
+            <a:schemeClr val="accent1"/>
+          </a:lnRef>
+          <a:fillRef idx="0">
+            <a:schemeClr val="accent1"/>
+          </a:fillRef>
+          <a:effectRef idx="0">
+            <a:schemeClr val="accent1"/>
+          </a:effectRef>
+          <a:fontRef idx="minor">
+            <a:schemeClr val="tx1"/>
+          </a:fontRef>
+        </p:style>
+      </p:cxnSp>
       <p:sp>
         <p:nvSpPr>
           <p:cNvPr id="78" name="Ellipse 77"/>
@@ -6351,8 +6073,8 @@
         </p:nvSpPr>
         <p:spPr>
           <a:xfrm>
-            <a:off x="5621604" y="2658742"/>
-            <a:ext cx="452438" cy="460807"/>
+            <a:off x="6916416" y="1697983"/>
+            <a:ext cx="334105" cy="340285"/>
           </a:xfrm>
           <a:prstGeom prst="ellipse">
             <a:avLst/>
@@ -6397,8 +6119,8 @@
         </p:nvSpPr>
         <p:spPr>
           <a:xfrm>
-            <a:off x="5919339" y="2658742"/>
-            <a:ext cx="452438" cy="460807"/>
+            <a:off x="7112554" y="1697950"/>
+            <a:ext cx="334133" cy="340314"/>
           </a:xfrm>
           <a:prstGeom prst="ellipse">
             <a:avLst/>
@@ -6435,211 +6157,23 @@
           </a:p>
         </p:txBody>
       </p:sp>
-      <p:sp>
-        <p:nvSpPr>
-          <p:cNvPr id="87" name="Textfeld 55"/>
-          <p:cNvSpPr txBox="1">
-            <a:spLocks noChangeArrowheads="1"/>
-          </p:cNvSpPr>
-          <p:nvPr/>
-        </p:nvSpPr>
-        <p:spPr bwMode="auto">
-          <a:xfrm>
-            <a:off x="3189287" y="4626247"/>
-            <a:ext cx="669925" cy="400050"/>
-          </a:xfrm>
-          <a:prstGeom prst="rect">
-            <a:avLst/>
-          </a:prstGeom>
-          <a:noFill/>
-          <a:ln>
-            <a:noFill/>
-          </a:ln>
-          <a:extLst>
-            <a:ext uri="{909E8E84-426E-40DD-AFC4-6F175D3DCCD1}">
-              <a14:hiddenFill xmlns:a14="http://schemas.microsoft.com/office/drawing/2010/main">
-                <a:solidFill>
-                  <a:srgbClr val="FFFFFF"/>
-                </a:solidFill>
-              </a14:hiddenFill>
-            </a:ext>
-            <a:ext uri="{91240B29-F687-4F45-9708-019B960494DF}">
-              <a14:hiddenLine xmlns:a14="http://schemas.microsoft.com/office/drawing/2010/main" w="9525">
-                <a:solidFill>
-                  <a:srgbClr val="000000"/>
-                </a:solidFill>
-                <a:miter lim="800000"/>
-                <a:headEnd/>
-                <a:tailEnd/>
-              </a14:hiddenLine>
-            </a:ext>
-          </a:extLst>
-        </p:spPr>
-        <p:txBody>
-          <a:bodyPr wrap="none">
-            <a:spAutoFit/>
-          </a:bodyPr>
-          <a:lstStyle>
-            <a:lvl1pPr>
-              <a:defRPr>
-                <a:solidFill>
-                  <a:schemeClr val="tx1"/>
-                </a:solidFill>
-                <a:latin typeface="Frutiger LT Com 55 Roman" pitchFamily="34" charset="0"/>
-              </a:defRPr>
-            </a:lvl1pPr>
-            <a:lvl2pPr marL="742950" indent="-285750">
-              <a:defRPr>
-                <a:solidFill>
-                  <a:schemeClr val="tx1"/>
-                </a:solidFill>
-                <a:latin typeface="Frutiger LT Com 55 Roman" pitchFamily="34" charset="0"/>
-              </a:defRPr>
-            </a:lvl2pPr>
-            <a:lvl3pPr marL="1143000" indent="-228600">
-              <a:defRPr>
-                <a:solidFill>
-                  <a:schemeClr val="tx1"/>
-                </a:solidFill>
-                <a:latin typeface="Frutiger LT Com 55 Roman" pitchFamily="34" charset="0"/>
-              </a:defRPr>
-            </a:lvl3pPr>
-            <a:lvl4pPr marL="1600200" indent="-228600">
-              <a:defRPr>
-                <a:solidFill>
-                  <a:schemeClr val="tx1"/>
-                </a:solidFill>
-                <a:latin typeface="Frutiger LT Com 55 Roman" pitchFamily="34" charset="0"/>
-              </a:defRPr>
-            </a:lvl4pPr>
-            <a:lvl5pPr marL="2057400" indent="-228600">
-              <a:defRPr>
-                <a:solidFill>
-                  <a:schemeClr val="tx1"/>
-                </a:solidFill>
-                <a:latin typeface="Frutiger LT Com 55 Roman" pitchFamily="34" charset="0"/>
-              </a:defRPr>
-            </a:lvl5pPr>
-            <a:lvl6pPr marL="2514600" indent="-228600" eaLnBrk="0" fontAlgn="base" hangingPunct="0">
-              <a:spcBef>
-                <a:spcPct val="0"/>
-              </a:spcBef>
-              <a:spcAft>
-                <a:spcPct val="0"/>
-              </a:spcAft>
-              <a:defRPr>
-                <a:solidFill>
-                  <a:schemeClr val="tx1"/>
-                </a:solidFill>
-                <a:latin typeface="Frutiger LT Com 55 Roman" pitchFamily="34" charset="0"/>
-              </a:defRPr>
-            </a:lvl6pPr>
-            <a:lvl7pPr marL="2971800" indent="-228600" eaLnBrk="0" fontAlgn="base" hangingPunct="0">
-              <a:spcBef>
-                <a:spcPct val="0"/>
-              </a:spcBef>
-              <a:spcAft>
-                <a:spcPct val="0"/>
-              </a:spcAft>
-              <a:defRPr>
-                <a:solidFill>
-                  <a:schemeClr val="tx1"/>
-                </a:solidFill>
-                <a:latin typeface="Frutiger LT Com 55 Roman" pitchFamily="34" charset="0"/>
-              </a:defRPr>
-            </a:lvl7pPr>
-            <a:lvl8pPr marL="3429000" indent="-228600" eaLnBrk="0" fontAlgn="base" hangingPunct="0">
-              <a:spcBef>
-                <a:spcPct val="0"/>
-              </a:spcBef>
-              <a:spcAft>
-                <a:spcPct val="0"/>
-              </a:spcAft>
-              <a:defRPr>
-                <a:solidFill>
-                  <a:schemeClr val="tx1"/>
-                </a:solidFill>
-                <a:latin typeface="Frutiger LT Com 55 Roman" pitchFamily="34" charset="0"/>
-              </a:defRPr>
-            </a:lvl8pPr>
-            <a:lvl9pPr marL="3886200" indent="-228600" eaLnBrk="0" fontAlgn="base" hangingPunct="0">
-              <a:spcBef>
-                <a:spcPct val="0"/>
-              </a:spcBef>
-              <a:spcAft>
-                <a:spcPct val="0"/>
-              </a:spcAft>
-              <a:defRPr>
-                <a:solidFill>
-                  <a:schemeClr val="tx1"/>
-                </a:solidFill>
-                <a:latin typeface="Frutiger LT Com 55 Roman" pitchFamily="34" charset="0"/>
-              </a:defRPr>
-            </a:lvl9pPr>
-          </a:lstStyle>
-          <a:p>
-            <a:r>
-              <a:rPr lang="de-DE" altLang="de-DE" sz="1000" dirty="0"/>
-              <a:t>Auxiliary</a:t>
-            </a:r>
-            <a:br>
-              <a:rPr lang="de-DE" altLang="de-DE" sz="1000" dirty="0"/>
-            </a:br>
-            <a:r>
-              <a:rPr lang="de-DE" altLang="de-DE" sz="1000" dirty="0"/>
-              <a:t>Bus</a:t>
-            </a:r>
-          </a:p>
-        </p:txBody>
-      </p:sp>
       <p:cxnSp>
         <p:nvCxnSpPr>
-          <p:cNvPr id="88" name="Gerade Verbindung mit Pfeil 87"/>
-          <p:cNvCxnSpPr/>
+          <p:cNvPr id="126" name="Gerader Verbinder 125"/>
+          <p:cNvCxnSpPr>
+            <a:stCxn id="138" idx="6"/>
+          </p:cNvCxnSpPr>
           <p:nvPr/>
         </p:nvCxnSpPr>
         <p:spPr>
           <a:xfrm flipV="1">
-            <a:off x="3524250" y="4472260"/>
-            <a:ext cx="161925" cy="188912"/>
-          </a:xfrm>
-          <a:prstGeom prst="straightConnector1">
-            <a:avLst/>
-          </a:prstGeom>
-          <a:ln>
-            <a:tailEnd type="triangle"/>
-          </a:ln>
-        </p:spPr>
-        <p:style>
-          <a:lnRef idx="1">
-            <a:schemeClr val="accent4"/>
-          </a:lnRef>
-          <a:fillRef idx="0">
-            <a:schemeClr val="accent4"/>
-          </a:fillRef>
-          <a:effectRef idx="0">
-            <a:schemeClr val="accent4"/>
-          </a:effectRef>
-          <a:fontRef idx="minor">
-            <a:schemeClr val="tx1"/>
-          </a:fontRef>
-        </p:style>
-      </p:cxnSp>
-      <p:cxnSp>
-        <p:nvCxnSpPr>
-          <p:cNvPr id="89" name="Gerader Verbinder 88"/>
-          <p:cNvCxnSpPr/>
-          <p:nvPr/>
-        </p:nvCxnSpPr>
-        <p:spPr>
-          <a:xfrm flipV="1">
-            <a:off x="1938337" y="2899727"/>
-            <a:ext cx="1971675" cy="6350"/>
+            <a:off x="6290071" y="1868126"/>
+            <a:ext cx="632695" cy="976"/>
           </a:xfrm>
           <a:prstGeom prst="line">
             <a:avLst/>
           </a:prstGeom>
-          <a:ln w="31750">
+          <a:ln w="25400">
             <a:solidFill>
               <a:schemeClr val="tx1"/>
             </a:solidFill>
@@ -6662,437 +6196,13 @@
       </p:cxnSp>
       <p:sp>
         <p:nvSpPr>
-          <p:cNvPr id="90" name="Pfeil nach unten 89"/>
+          <p:cNvPr id="127" name="Rechteck 126"/>
           <p:cNvSpPr/>
           <p:nvPr/>
         </p:nvSpPr>
-        <p:spPr>
-          <a:xfrm>
-            <a:off x="2765425" y="3299097"/>
-            <a:ext cx="312737" cy="776288"/>
-          </a:xfrm>
-          <a:prstGeom prst="downArrow">
-            <a:avLst/>
-          </a:prstGeom>
-          <a:solidFill>
-            <a:schemeClr val="bg1"/>
-          </a:solidFill>
-          <a:ln>
-            <a:solidFill>
-              <a:schemeClr val="tx1"/>
-            </a:solidFill>
-          </a:ln>
-        </p:spPr>
-        <p:style>
-          <a:lnRef idx="2">
-            <a:schemeClr val="accent1">
-              <a:shade val="50000"/>
-            </a:schemeClr>
-          </a:lnRef>
-          <a:fillRef idx="1">
-            <a:schemeClr val="accent1"/>
-          </a:fillRef>
-          <a:effectRef idx="0">
-            <a:schemeClr val="accent1"/>
-          </a:effectRef>
-          <a:fontRef idx="minor">
-            <a:schemeClr val="lt1"/>
-          </a:fontRef>
-        </p:style>
-        <p:txBody>
-          <a:bodyPr vert="vert" anchor="ctr"/>
-          <a:lstStyle/>
-          <a:p>
-            <a:pPr algn="ctr">
-              <a:defRPr/>
-            </a:pPr>
-            <a:r>
-              <a:rPr lang="de-DE" sz="1000" dirty="0">
-                <a:solidFill>
-                  <a:schemeClr val="tx1"/>
-                </a:solidFill>
-              </a:rPr>
-              <a:t>pd2mpc</a:t>
-            </a:r>
-          </a:p>
-        </p:txBody>
-      </p:sp>
-      <p:sp>
-        <p:nvSpPr>
-          <p:cNvPr id="91" name="Textfeld 117"/>
-          <p:cNvSpPr txBox="1">
-            <a:spLocks noChangeArrowheads="1"/>
-          </p:cNvSpPr>
-          <p:nvPr/>
-        </p:nvSpPr>
-        <p:spPr bwMode="auto">
-          <a:xfrm>
-            <a:off x="2003425" y="2437764"/>
-            <a:ext cx="582612" cy="246063"/>
-          </a:xfrm>
-          <a:prstGeom prst="rect">
-            <a:avLst/>
-          </a:prstGeom>
-          <a:noFill/>
-          <a:ln>
-            <a:noFill/>
-          </a:ln>
-          <a:extLst>
-            <a:ext uri="{909E8E84-426E-40DD-AFC4-6F175D3DCCD1}">
-              <a14:hiddenFill xmlns:a14="http://schemas.microsoft.com/office/drawing/2010/main">
-                <a:solidFill>
-                  <a:srgbClr val="FFFFFF"/>
-                </a:solidFill>
-              </a14:hiddenFill>
-            </a:ext>
-            <a:ext uri="{91240B29-F687-4F45-9708-019B960494DF}">
-              <a14:hiddenLine xmlns:a14="http://schemas.microsoft.com/office/drawing/2010/main" w="9525">
-                <a:solidFill>
-                  <a:srgbClr val="000000"/>
-                </a:solidFill>
-                <a:miter lim="800000"/>
-                <a:headEnd/>
-                <a:tailEnd/>
-              </a14:hiddenLine>
-            </a:ext>
-          </a:extLst>
-        </p:spPr>
-        <p:txBody>
-          <a:bodyPr wrap="none">
-            <a:spAutoFit/>
-          </a:bodyPr>
-          <a:lstStyle>
-            <a:lvl1pPr>
-              <a:defRPr>
-                <a:solidFill>
-                  <a:schemeClr val="tx1"/>
-                </a:solidFill>
-                <a:latin typeface="Frutiger LT Com 55 Roman" pitchFamily="34" charset="0"/>
-              </a:defRPr>
-            </a:lvl1pPr>
-            <a:lvl2pPr marL="742950" indent="-285750">
-              <a:defRPr>
-                <a:solidFill>
-                  <a:schemeClr val="tx1"/>
-                </a:solidFill>
-                <a:latin typeface="Frutiger LT Com 55 Roman" pitchFamily="34" charset="0"/>
-              </a:defRPr>
-            </a:lvl2pPr>
-            <a:lvl3pPr marL="1143000" indent="-228600">
-              <a:defRPr>
-                <a:solidFill>
-                  <a:schemeClr val="tx1"/>
-                </a:solidFill>
-                <a:latin typeface="Frutiger LT Com 55 Roman" pitchFamily="34" charset="0"/>
-              </a:defRPr>
-            </a:lvl3pPr>
-            <a:lvl4pPr marL="1600200" indent="-228600">
-              <a:defRPr>
-                <a:solidFill>
-                  <a:schemeClr val="tx1"/>
-                </a:solidFill>
-                <a:latin typeface="Frutiger LT Com 55 Roman" pitchFamily="34" charset="0"/>
-              </a:defRPr>
-            </a:lvl4pPr>
-            <a:lvl5pPr marL="2057400" indent="-228600">
-              <a:defRPr>
-                <a:solidFill>
-                  <a:schemeClr val="tx1"/>
-                </a:solidFill>
-                <a:latin typeface="Frutiger LT Com 55 Roman" pitchFamily="34" charset="0"/>
-              </a:defRPr>
-            </a:lvl5pPr>
-            <a:lvl6pPr marL="2514600" indent="-228600" eaLnBrk="0" fontAlgn="base" hangingPunct="0">
-              <a:spcBef>
-                <a:spcPct val="0"/>
-              </a:spcBef>
-              <a:spcAft>
-                <a:spcPct val="0"/>
-              </a:spcAft>
-              <a:defRPr>
-                <a:solidFill>
-                  <a:schemeClr val="tx1"/>
-                </a:solidFill>
-                <a:latin typeface="Frutiger LT Com 55 Roman" pitchFamily="34" charset="0"/>
-              </a:defRPr>
-            </a:lvl6pPr>
-            <a:lvl7pPr marL="2971800" indent="-228600" eaLnBrk="0" fontAlgn="base" hangingPunct="0">
-              <a:spcBef>
-                <a:spcPct val="0"/>
-              </a:spcBef>
-              <a:spcAft>
-                <a:spcPct val="0"/>
-              </a:spcAft>
-              <a:defRPr>
-                <a:solidFill>
-                  <a:schemeClr val="tx1"/>
-                </a:solidFill>
-                <a:latin typeface="Frutiger LT Com 55 Roman" pitchFamily="34" charset="0"/>
-              </a:defRPr>
-            </a:lvl7pPr>
-            <a:lvl8pPr marL="3429000" indent="-228600" eaLnBrk="0" fontAlgn="base" hangingPunct="0">
-              <a:spcBef>
-                <a:spcPct val="0"/>
-              </a:spcBef>
-              <a:spcAft>
-                <a:spcPct val="0"/>
-              </a:spcAft>
-              <a:defRPr>
-                <a:solidFill>
-                  <a:schemeClr val="tx1"/>
-                </a:solidFill>
-                <a:latin typeface="Frutiger LT Com 55 Roman" pitchFamily="34" charset="0"/>
-              </a:defRPr>
-            </a:lvl8pPr>
-            <a:lvl9pPr marL="3886200" indent="-228600" eaLnBrk="0" fontAlgn="base" hangingPunct="0">
-              <a:spcBef>
-                <a:spcPct val="0"/>
-              </a:spcBef>
-              <a:spcAft>
-                <a:spcPct val="0"/>
-              </a:spcAft>
-              <a:defRPr>
-                <a:solidFill>
-                  <a:schemeClr val="tx1"/>
-                </a:solidFill>
-                <a:latin typeface="Frutiger LT Com 55 Roman" pitchFamily="34" charset="0"/>
-              </a:defRPr>
-            </a:lvl9pPr>
-          </a:lstStyle>
-          <a:p>
-            <a:r>
-              <a:rPr lang="de-DE" altLang="de-DE" sz="1000" dirty="0"/>
-              <a:t>Closed</a:t>
-            </a:r>
-          </a:p>
-        </p:txBody>
-      </p:sp>
-      <p:cxnSp>
-        <p:nvCxnSpPr>
-          <p:cNvPr id="92" name="Gerade Verbindung mit Pfeil 91"/>
-          <p:cNvCxnSpPr/>
-          <p:nvPr/>
-        </p:nvCxnSpPr>
-        <p:spPr>
-          <a:xfrm flipH="1">
-            <a:off x="2087562" y="2642552"/>
-            <a:ext cx="209550" cy="193675"/>
-          </a:xfrm>
-          <a:prstGeom prst="straightConnector1">
-            <a:avLst/>
-          </a:prstGeom>
-          <a:ln>
-            <a:tailEnd type="triangle"/>
-          </a:ln>
-        </p:spPr>
-        <p:style>
-          <a:lnRef idx="1">
-            <a:schemeClr val="accent4"/>
-          </a:lnRef>
-          <a:fillRef idx="0">
-            <a:schemeClr val="accent4"/>
-          </a:fillRef>
-          <a:effectRef idx="0">
-            <a:schemeClr val="accent4"/>
-          </a:effectRef>
-          <a:fontRef idx="minor">
-            <a:schemeClr val="tx1"/>
-          </a:fontRef>
-        </p:style>
-      </p:cxnSp>
-      <p:sp>
-        <p:nvSpPr>
-          <p:cNvPr id="93" name="Textfeld 119"/>
-          <p:cNvSpPr txBox="1">
-            <a:spLocks noChangeArrowheads="1"/>
-          </p:cNvSpPr>
-          <p:nvPr/>
-        </p:nvSpPr>
-        <p:spPr bwMode="auto">
-          <a:xfrm>
-            <a:off x="3213100" y="2404427"/>
-            <a:ext cx="495300" cy="246062"/>
-          </a:xfrm>
-          <a:prstGeom prst="rect">
-            <a:avLst/>
-          </a:prstGeom>
-          <a:noFill/>
-          <a:ln>
-            <a:noFill/>
-          </a:ln>
-          <a:extLst>
-            <a:ext uri="{909E8E84-426E-40DD-AFC4-6F175D3DCCD1}">
-              <a14:hiddenFill xmlns:a14="http://schemas.microsoft.com/office/drawing/2010/main">
-                <a:solidFill>
-                  <a:srgbClr val="FFFFFF"/>
-                </a:solidFill>
-              </a14:hiddenFill>
-            </a:ext>
-            <a:ext uri="{91240B29-F687-4F45-9708-019B960494DF}">
-              <a14:hiddenLine xmlns:a14="http://schemas.microsoft.com/office/drawing/2010/main" w="9525">
-                <a:solidFill>
-                  <a:srgbClr val="000000"/>
-                </a:solidFill>
-                <a:miter lim="800000"/>
-                <a:headEnd/>
-                <a:tailEnd/>
-              </a14:hiddenLine>
-            </a:ext>
-          </a:extLst>
-        </p:spPr>
-        <p:txBody>
-          <a:bodyPr wrap="none">
-            <a:spAutoFit/>
-          </a:bodyPr>
-          <a:lstStyle>
-            <a:lvl1pPr>
-              <a:defRPr>
-                <a:solidFill>
-                  <a:schemeClr val="tx1"/>
-                </a:solidFill>
-                <a:latin typeface="Frutiger LT Com 55 Roman" pitchFamily="34" charset="0"/>
-              </a:defRPr>
-            </a:lvl1pPr>
-            <a:lvl2pPr marL="742950" indent="-285750">
-              <a:defRPr>
-                <a:solidFill>
-                  <a:schemeClr val="tx1"/>
-                </a:solidFill>
-                <a:latin typeface="Frutiger LT Com 55 Roman" pitchFamily="34" charset="0"/>
-              </a:defRPr>
-            </a:lvl2pPr>
-            <a:lvl3pPr marL="1143000" indent="-228600">
-              <a:defRPr>
-                <a:solidFill>
-                  <a:schemeClr val="tx1"/>
-                </a:solidFill>
-                <a:latin typeface="Frutiger LT Com 55 Roman" pitchFamily="34" charset="0"/>
-              </a:defRPr>
-            </a:lvl3pPr>
-            <a:lvl4pPr marL="1600200" indent="-228600">
-              <a:defRPr>
-                <a:solidFill>
-                  <a:schemeClr val="tx1"/>
-                </a:solidFill>
-                <a:latin typeface="Frutiger LT Com 55 Roman" pitchFamily="34" charset="0"/>
-              </a:defRPr>
-            </a:lvl4pPr>
-            <a:lvl5pPr marL="2057400" indent="-228600">
-              <a:defRPr>
-                <a:solidFill>
-                  <a:schemeClr val="tx1"/>
-                </a:solidFill>
-                <a:latin typeface="Frutiger LT Com 55 Roman" pitchFamily="34" charset="0"/>
-              </a:defRPr>
-            </a:lvl5pPr>
-            <a:lvl6pPr marL="2514600" indent="-228600" eaLnBrk="0" fontAlgn="base" hangingPunct="0">
-              <a:spcBef>
-                <a:spcPct val="0"/>
-              </a:spcBef>
-              <a:spcAft>
-                <a:spcPct val="0"/>
-              </a:spcAft>
-              <a:defRPr>
-                <a:solidFill>
-                  <a:schemeClr val="tx1"/>
-                </a:solidFill>
-                <a:latin typeface="Frutiger LT Com 55 Roman" pitchFamily="34" charset="0"/>
-              </a:defRPr>
-            </a:lvl6pPr>
-            <a:lvl7pPr marL="2971800" indent="-228600" eaLnBrk="0" fontAlgn="base" hangingPunct="0">
-              <a:spcBef>
-                <a:spcPct val="0"/>
-              </a:spcBef>
-              <a:spcAft>
-                <a:spcPct val="0"/>
-              </a:spcAft>
-              <a:defRPr>
-                <a:solidFill>
-                  <a:schemeClr val="tx1"/>
-                </a:solidFill>
-                <a:latin typeface="Frutiger LT Com 55 Roman" pitchFamily="34" charset="0"/>
-              </a:defRPr>
-            </a:lvl7pPr>
-            <a:lvl8pPr marL="3429000" indent="-228600" eaLnBrk="0" fontAlgn="base" hangingPunct="0">
-              <a:spcBef>
-                <a:spcPct val="0"/>
-              </a:spcBef>
-              <a:spcAft>
-                <a:spcPct val="0"/>
-              </a:spcAft>
-              <a:defRPr>
-                <a:solidFill>
-                  <a:schemeClr val="tx1"/>
-                </a:solidFill>
-                <a:latin typeface="Frutiger LT Com 55 Roman" pitchFamily="34" charset="0"/>
-              </a:defRPr>
-            </a:lvl8pPr>
-            <a:lvl9pPr marL="3886200" indent="-228600" eaLnBrk="0" fontAlgn="base" hangingPunct="0">
-              <a:spcBef>
-                <a:spcPct val="0"/>
-              </a:spcBef>
-              <a:spcAft>
-                <a:spcPct val="0"/>
-              </a:spcAft>
-              <a:defRPr>
-                <a:solidFill>
-                  <a:schemeClr val="tx1"/>
-                </a:solidFill>
-                <a:latin typeface="Frutiger LT Com 55 Roman" pitchFamily="34" charset="0"/>
-              </a:defRPr>
-            </a:lvl9pPr>
-          </a:lstStyle>
-          <a:p>
-            <a:r>
-              <a:rPr lang="de-DE" altLang="de-DE" sz="1000"/>
-              <a:t>Open</a:t>
-            </a:r>
-          </a:p>
-        </p:txBody>
-      </p:sp>
-      <p:cxnSp>
-        <p:nvCxnSpPr>
-          <p:cNvPr id="94" name="Gerade Verbindung mit Pfeil 93"/>
-          <p:cNvCxnSpPr/>
-          <p:nvPr/>
-        </p:nvCxnSpPr>
-        <p:spPr>
-          <a:xfrm flipH="1" flipV="1">
-            <a:off x="3522662" y="2609214"/>
-            <a:ext cx="236538" cy="214313"/>
-          </a:xfrm>
-          <a:prstGeom prst="straightConnector1">
-            <a:avLst/>
-          </a:prstGeom>
-          <a:ln>
-            <a:headEnd type="triangle"/>
-            <a:tailEnd type="none"/>
-          </a:ln>
-        </p:spPr>
-        <p:style>
-          <a:lnRef idx="1">
-            <a:schemeClr val="accent4"/>
-          </a:lnRef>
-          <a:fillRef idx="0">
-            <a:schemeClr val="accent4"/>
-          </a:fillRef>
-          <a:effectRef idx="0">
-            <a:schemeClr val="accent4"/>
-          </a:effectRef>
-          <a:fontRef idx="minor">
-            <a:schemeClr val="tx1"/>
-          </a:fontRef>
-        </p:style>
-      </p:cxnSp>
-      <p:sp>
-        <p:nvSpPr>
-          <p:cNvPr id="95" name="Rechteck 94"/>
-          <p:cNvSpPr/>
-          <p:nvPr/>
-        </p:nvSpPr>
-        <p:spPr>
-          <a:xfrm>
-            <a:off x="1997075" y="2860039"/>
+        <p:spPr bwMode="black">
+          <a:xfrm>
+            <a:off x="6334335" y="1816821"/>
             <a:ext cx="88900" cy="92075"/>
           </a:xfrm>
           <a:prstGeom prst="rect">
@@ -7136,14 +6246,14 @@
       </p:sp>
       <p:sp>
         <p:nvSpPr>
-          <p:cNvPr id="96" name="Ellipse 95"/>
+          <p:cNvPr id="131" name="Ellipse 130"/>
           <p:cNvSpPr/>
           <p:nvPr/>
         </p:nvSpPr>
-        <p:spPr>
-          <a:xfrm>
-            <a:off x="1866900" y="2869564"/>
-            <a:ext cx="82550" cy="80963"/>
+        <p:spPr bwMode="black">
+          <a:xfrm>
+            <a:off x="6209108" y="2889117"/>
+            <a:ext cx="80963" cy="80963"/>
           </a:xfrm>
           <a:prstGeom prst="ellipse">
             <a:avLst/>
@@ -7184,25 +6294,23 @@
       </p:sp>
       <p:sp>
         <p:nvSpPr>
-          <p:cNvPr id="97" name="Rechteck 96"/>
+          <p:cNvPr id="132" name="Ellipse 131"/>
           <p:cNvSpPr/>
           <p:nvPr/>
         </p:nvSpPr>
-        <p:spPr>
-          <a:xfrm>
-            <a:off x="3771900" y="2853689"/>
-            <a:ext cx="90487" cy="92075"/>
-          </a:xfrm>
-          <a:prstGeom prst="rect">
+        <p:spPr bwMode="black">
+          <a:xfrm>
+            <a:off x="8099858" y="2881939"/>
+            <a:ext cx="80962" cy="80963"/>
+          </a:xfrm>
+          <a:prstGeom prst="ellipse">
             <a:avLst/>
           </a:prstGeom>
           <a:solidFill>
-            <a:schemeClr val="bg1"/>
+            <a:schemeClr val="tx1"/>
           </a:solidFill>
-          <a:ln w="15875">
-            <a:solidFill>
-              <a:schemeClr val="tx1"/>
-            </a:solidFill>
+          <a:ln>
+            <a:noFill/>
           </a:ln>
         </p:spPr>
         <p:style>
@@ -7232,16 +6340,53 @@
           </a:p>
         </p:txBody>
       </p:sp>
+      <p:cxnSp>
+        <p:nvCxnSpPr>
+          <p:cNvPr id="133" name="Gerader Verbinder 132"/>
+          <p:cNvCxnSpPr>
+            <a:stCxn id="131" idx="6"/>
+          </p:cNvCxnSpPr>
+          <p:nvPr/>
+        </p:nvCxnSpPr>
+        <p:spPr>
+          <a:xfrm flipV="1">
+            <a:off x="6290071" y="2927652"/>
+            <a:ext cx="632695" cy="1947"/>
+          </a:xfrm>
+          <a:prstGeom prst="line">
+            <a:avLst/>
+          </a:prstGeom>
+          <a:ln w="25400">
+            <a:solidFill>
+              <a:schemeClr val="tx1"/>
+            </a:solidFill>
+          </a:ln>
+        </p:spPr>
+        <p:style>
+          <a:lnRef idx="1">
+            <a:schemeClr val="accent1"/>
+          </a:lnRef>
+          <a:fillRef idx="0">
+            <a:schemeClr val="accent1"/>
+          </a:fillRef>
+          <a:effectRef idx="0">
+            <a:schemeClr val="accent1"/>
+          </a:effectRef>
+          <a:fontRef idx="minor">
+            <a:schemeClr val="tx1"/>
+          </a:fontRef>
+        </p:style>
+      </p:cxnSp>
       <p:sp>
         <p:nvSpPr>
-          <p:cNvPr id="98" name="Ellipse 97"/>
+          <p:cNvPr id="134" name="Ellipse 133"/>
           <p:cNvSpPr/>
           <p:nvPr/>
         </p:nvSpPr>
-        <p:spPr>
-          <a:xfrm>
-            <a:off x="3910012" y="2863214"/>
-            <a:ext cx="80963" cy="82550"/>
+        <p:spPr bwMode="black">
+          <a:xfrm>
+            <a:off x="7929093" y="2886736"/>
+            <a:ext cx="82550" cy="80963"/>
           </a:xfrm>
           <a:prstGeom prst="ellipse">
             <a:avLst/>
@@ -7282,14 +6427,14 @@
       </p:sp>
       <p:sp>
         <p:nvSpPr>
-          <p:cNvPr id="99" name="Ellipse 98"/>
+          <p:cNvPr id="138" name="Ellipse 137"/>
           <p:cNvSpPr/>
           <p:nvPr/>
         </p:nvSpPr>
-        <p:spPr>
-          <a:xfrm>
-            <a:off x="1874837" y="4397647"/>
-            <a:ext cx="80963" cy="80963"/>
+        <p:spPr bwMode="black">
+          <a:xfrm>
+            <a:off x="6207521" y="1828620"/>
+            <a:ext cx="82550" cy="80963"/>
           </a:xfrm>
           <a:prstGeom prst="ellipse">
             <a:avLst/>
@@ -7330,14 +6475,14 @@
       </p:sp>
       <p:sp>
         <p:nvSpPr>
-          <p:cNvPr id="100" name="Ellipse 99"/>
+          <p:cNvPr id="139" name="Ellipse 138"/>
           <p:cNvSpPr/>
           <p:nvPr/>
         </p:nvSpPr>
-        <p:spPr>
-          <a:xfrm>
-            <a:off x="3917950" y="4391297"/>
-            <a:ext cx="80962" cy="80963"/>
+        <p:spPr bwMode="black">
+          <a:xfrm>
+            <a:off x="8099858" y="1823750"/>
+            <a:ext cx="80963" cy="82550"/>
           </a:xfrm>
           <a:prstGeom prst="ellipse">
             <a:avLst/>
@@ -7376,21 +6521,153 @@
           </a:p>
         </p:txBody>
       </p:sp>
+      <p:sp>
+        <p:nvSpPr>
+          <p:cNvPr id="143" name="Ellipse 142"/>
+          <p:cNvSpPr/>
+          <p:nvPr/>
+        </p:nvSpPr>
+        <p:spPr>
+          <a:xfrm>
+            <a:off x="6922766" y="2757509"/>
+            <a:ext cx="334105" cy="340285"/>
+          </a:xfrm>
+          <a:prstGeom prst="ellipse">
+            <a:avLst/>
+          </a:prstGeom>
+          <a:noFill/>
+          <a:ln>
+            <a:solidFill>
+              <a:schemeClr val="tx1"/>
+            </a:solidFill>
+          </a:ln>
+        </p:spPr>
+        <p:style>
+          <a:lnRef idx="2">
+            <a:schemeClr val="accent1">
+              <a:shade val="50000"/>
+            </a:schemeClr>
+          </a:lnRef>
+          <a:fillRef idx="1">
+            <a:schemeClr val="accent1"/>
+          </a:fillRef>
+          <a:effectRef idx="0">
+            <a:schemeClr val="accent1"/>
+          </a:effectRef>
+          <a:fontRef idx="minor">
+            <a:schemeClr val="lt1"/>
+          </a:fontRef>
+        </p:style>
+        <p:txBody>
+          <a:bodyPr rtlCol="0" anchor="ctr"/>
+          <a:lstStyle/>
+          <a:p>
+            <a:pPr algn="ctr"/>
+            <a:endParaRPr lang="de-DE"/>
+          </a:p>
+        </p:txBody>
+      </p:sp>
+      <p:sp>
+        <p:nvSpPr>
+          <p:cNvPr id="144" name="Ellipse 143"/>
+          <p:cNvSpPr/>
+          <p:nvPr/>
+        </p:nvSpPr>
+        <p:spPr>
+          <a:xfrm>
+            <a:off x="7118904" y="2757476"/>
+            <a:ext cx="334133" cy="340314"/>
+          </a:xfrm>
+          <a:prstGeom prst="ellipse">
+            <a:avLst/>
+          </a:prstGeom>
+          <a:noFill/>
+          <a:ln>
+            <a:solidFill>
+              <a:schemeClr val="tx1"/>
+            </a:solidFill>
+          </a:ln>
+        </p:spPr>
+        <p:style>
+          <a:lnRef idx="2">
+            <a:schemeClr val="accent1">
+              <a:shade val="50000"/>
+            </a:schemeClr>
+          </a:lnRef>
+          <a:fillRef idx="1">
+            <a:schemeClr val="accent1"/>
+          </a:fillRef>
+          <a:effectRef idx="0">
+            <a:schemeClr val="accent1"/>
+          </a:effectRef>
+          <a:fontRef idx="minor">
+            <a:schemeClr val="lt1"/>
+          </a:fontRef>
+        </p:style>
+        <p:txBody>
+          <a:bodyPr rtlCol="0" anchor="ctr"/>
+          <a:lstStyle/>
+          <a:p>
+            <a:pPr algn="ctr"/>
+            <a:endParaRPr lang="de-DE"/>
+          </a:p>
+        </p:txBody>
+      </p:sp>
       <p:cxnSp>
         <p:nvCxnSpPr>
-          <p:cNvPr id="101" name="Gerader Verbinder 100"/>
-          <p:cNvCxnSpPr/>
+          <p:cNvPr id="148" name="Gerader Verbinder 147"/>
+          <p:cNvCxnSpPr>
+            <a:stCxn id="134" idx="2"/>
+            <a:endCxn id="144" idx="6"/>
+          </p:cNvCxnSpPr>
           <p:nvPr/>
         </p:nvCxnSpPr>
         <p:spPr>
-          <a:xfrm>
-            <a:off x="1927225" y="4438922"/>
-            <a:ext cx="1781175" cy="0"/>
+          <a:xfrm flipH="1">
+            <a:off x="7453037" y="2927218"/>
+            <a:ext cx="476056" cy="415"/>
           </a:xfrm>
           <a:prstGeom prst="line">
             <a:avLst/>
           </a:prstGeom>
-          <a:ln w="31750">
+          <a:ln w="25400">
+            <a:solidFill>
+              <a:schemeClr val="tx1"/>
+            </a:solidFill>
+          </a:ln>
+        </p:spPr>
+        <p:style>
+          <a:lnRef idx="1">
+            <a:schemeClr val="accent1"/>
+          </a:lnRef>
+          <a:fillRef idx="0">
+            <a:schemeClr val="accent1"/>
+          </a:fillRef>
+          <a:effectRef idx="0">
+            <a:schemeClr val="accent1"/>
+          </a:effectRef>
+          <a:fontRef idx="minor">
+            <a:schemeClr val="tx1"/>
+          </a:fontRef>
+        </p:style>
+      </p:cxnSp>
+      <p:cxnSp>
+        <p:nvCxnSpPr>
+          <p:cNvPr id="152" name="Gerader Verbinder 151"/>
+          <p:cNvCxnSpPr>
+            <a:stCxn id="139" idx="2"/>
+          </p:cNvCxnSpPr>
+          <p:nvPr/>
+        </p:nvCxnSpPr>
+        <p:spPr>
+          <a:xfrm flipH="1">
+            <a:off x="7453037" y="1865025"/>
+            <a:ext cx="646821" cy="3082"/>
+          </a:xfrm>
+          <a:prstGeom prst="line">
+            <a:avLst/>
+          </a:prstGeom>
+          <a:ln w="25400">
             <a:solidFill>
               <a:schemeClr val="tx1"/>
             </a:solidFill>
@@ -7413,23 +6690,25 @@
       </p:cxnSp>
       <p:sp>
         <p:nvSpPr>
-          <p:cNvPr id="102" name="Ellipse 101"/>
+          <p:cNvPr id="129" name="Rechteck 128"/>
           <p:cNvSpPr/>
           <p:nvPr/>
         </p:nvSpPr>
         <p:spPr>
           <a:xfrm>
-            <a:off x="3679825" y="4391297"/>
-            <a:ext cx="82550" cy="80963"/>
-          </a:xfrm>
-          <a:prstGeom prst="ellipse">
+            <a:off x="7975809" y="1816822"/>
+            <a:ext cx="90487" cy="92075"/>
+          </a:xfrm>
+          <a:prstGeom prst="rect">
             <a:avLst/>
           </a:prstGeom>
           <a:solidFill>
-            <a:schemeClr val="tx1"/>
+            <a:schemeClr val="bg1"/>
           </a:solidFill>
-          <a:ln>
-            <a:noFill/>
+          <a:ln w="15875">
+            <a:solidFill>
+              <a:schemeClr val="tx1"/>
+            </a:solidFill>
           </a:ln>
         </p:spPr>
         <p:style>
@@ -7459,100 +6738,25 @@
           </a:p>
         </p:txBody>
       </p:sp>
-      <p:cxnSp>
-        <p:nvCxnSpPr>
-          <p:cNvPr id="153" name="Gerader Verbinder 152"/>
-          <p:cNvCxnSpPr>
-            <a:stCxn id="62" idx="6"/>
-            <a:endCxn id="156" idx="6"/>
-          </p:cNvCxnSpPr>
-          <p:nvPr/>
-        </p:nvCxnSpPr>
-        <p:spPr>
-          <a:xfrm flipH="1" flipV="1">
-            <a:off x="6428927" y="4441721"/>
-            <a:ext cx="379861" cy="2758"/>
-          </a:xfrm>
-          <a:prstGeom prst="line">
-            <a:avLst/>
-          </a:prstGeom>
-          <a:ln w="31750">
-            <a:solidFill>
-              <a:schemeClr val="tx1"/>
-            </a:solidFill>
-          </a:ln>
-        </p:spPr>
-        <p:style>
-          <a:lnRef idx="1">
-            <a:schemeClr val="accent1"/>
-          </a:lnRef>
-          <a:fillRef idx="0">
-            <a:schemeClr val="accent1"/>
-          </a:fillRef>
-          <a:effectRef idx="0">
-            <a:schemeClr val="accent1"/>
-          </a:effectRef>
-          <a:fontRef idx="minor">
-            <a:schemeClr val="tx1"/>
-          </a:fontRef>
-        </p:style>
-      </p:cxnSp>
-      <p:cxnSp>
-        <p:nvCxnSpPr>
-          <p:cNvPr id="154" name="Gerader Verbinder 153"/>
-          <p:cNvCxnSpPr>
-            <a:stCxn id="155" idx="2"/>
-          </p:cNvCxnSpPr>
-          <p:nvPr/>
-        </p:nvCxnSpPr>
-        <p:spPr>
-          <a:xfrm flipH="1">
-            <a:off x="4989458" y="4441721"/>
-            <a:ext cx="689296" cy="6132"/>
-          </a:xfrm>
-          <a:prstGeom prst="line">
-            <a:avLst/>
-          </a:prstGeom>
-          <a:ln w="31750">
-            <a:solidFill>
-              <a:schemeClr val="tx1"/>
-            </a:solidFill>
-          </a:ln>
-        </p:spPr>
-        <p:style>
-          <a:lnRef idx="1">
-            <a:schemeClr val="accent1"/>
-          </a:lnRef>
-          <a:fillRef idx="0">
-            <a:schemeClr val="accent1"/>
-          </a:fillRef>
-          <a:effectRef idx="0">
-            <a:schemeClr val="accent1"/>
-          </a:effectRef>
-          <a:fontRef idx="minor">
-            <a:schemeClr val="tx1"/>
-          </a:fontRef>
-        </p:style>
-      </p:cxnSp>
       <p:sp>
         <p:nvSpPr>
-          <p:cNvPr id="155" name="Ellipse 154"/>
+          <p:cNvPr id="64" name="Ellipse 63"/>
           <p:cNvSpPr/>
           <p:nvPr/>
         </p:nvSpPr>
-        <p:spPr>
-          <a:xfrm>
-            <a:off x="5678754" y="4211317"/>
-            <a:ext cx="452438" cy="460807"/>
+        <p:spPr bwMode="black">
+          <a:xfrm>
+            <a:off x="2984852" y="1847121"/>
+            <a:ext cx="77787" cy="77787"/>
           </a:xfrm>
           <a:prstGeom prst="ellipse">
             <a:avLst/>
           </a:prstGeom>
-          <a:noFill/>
+          <a:solidFill>
+            <a:schemeClr val="tx1"/>
+          </a:solidFill>
           <a:ln>
-            <a:solidFill>
-              <a:schemeClr val="tx1"/>
-            </a:solidFill>
+            <a:noFill/>
           </a:ln>
         </p:spPr>
         <p:style>
@@ -7572,33 +6776,35 @@
           </a:fontRef>
         </p:style>
         <p:txBody>
-          <a:bodyPr rtlCol="0" anchor="ctr"/>
+          <a:bodyPr anchor="ctr"/>
           <a:lstStyle/>
           <a:p>
-            <a:pPr algn="ctr"/>
+            <a:pPr algn="ctr">
+              <a:defRPr/>
+            </a:pPr>
             <a:endParaRPr lang="de-DE"/>
           </a:p>
         </p:txBody>
       </p:sp>
       <p:sp>
         <p:nvSpPr>
-          <p:cNvPr id="156" name="Ellipse 155"/>
+          <p:cNvPr id="65" name="Ellipse 64"/>
           <p:cNvSpPr/>
           <p:nvPr/>
         </p:nvSpPr>
-        <p:spPr>
-          <a:xfrm>
-            <a:off x="5976489" y="4211317"/>
-            <a:ext cx="452438" cy="460807"/>
+        <p:spPr bwMode="black">
+          <a:xfrm>
+            <a:off x="3610327" y="1847121"/>
+            <a:ext cx="77787" cy="77787"/>
           </a:xfrm>
           <a:prstGeom prst="ellipse">
             <a:avLst/>
           </a:prstGeom>
-          <a:noFill/>
+          <a:solidFill>
+            <a:schemeClr val="tx1"/>
+          </a:solidFill>
           <a:ln>
-            <a:solidFill>
-              <a:schemeClr val="tx1"/>
-            </a:solidFill>
+            <a:noFill/>
           </a:ln>
         </p:spPr>
         <p:style>
@@ -7618,10 +6824,1087 @@
           </a:fontRef>
         </p:style>
         <p:txBody>
-          <a:bodyPr rtlCol="0" anchor="ctr"/>
+          <a:bodyPr anchor="ctr"/>
           <a:lstStyle/>
           <a:p>
-            <a:pPr algn="ctr"/>
+            <a:pPr algn="ctr">
+              <a:defRPr/>
+            </a:pPr>
+            <a:endParaRPr lang="de-DE"/>
+          </a:p>
+        </p:txBody>
+      </p:sp>
+      <p:cxnSp>
+        <p:nvCxnSpPr>
+          <p:cNvPr id="66" name="Gerader Verbinder 65"/>
+          <p:cNvCxnSpPr>
+            <a:stCxn id="64" idx="6"/>
+            <a:endCxn id="65" idx="2"/>
+          </p:cNvCxnSpPr>
+          <p:nvPr/>
+        </p:nvCxnSpPr>
+        <p:spPr>
+          <a:xfrm>
+            <a:off x="3062639" y="1886808"/>
+            <a:ext cx="547688" cy="0"/>
+          </a:xfrm>
+          <a:prstGeom prst="line">
+            <a:avLst/>
+          </a:prstGeom>
+          <a:ln>
+            <a:solidFill>
+              <a:schemeClr val="tx1"/>
+            </a:solidFill>
+          </a:ln>
+        </p:spPr>
+        <p:style>
+          <a:lnRef idx="1">
+            <a:schemeClr val="accent1"/>
+          </a:lnRef>
+          <a:fillRef idx="0">
+            <a:schemeClr val="accent1"/>
+          </a:fillRef>
+          <a:effectRef idx="0">
+            <a:schemeClr val="accent1"/>
+          </a:effectRef>
+          <a:fontRef idx="minor">
+            <a:schemeClr val="tx1"/>
+          </a:fontRef>
+        </p:style>
+      </p:cxnSp>
+      <p:sp>
+        <p:nvSpPr>
+          <p:cNvPr id="67" name="Ellipse 66"/>
+          <p:cNvSpPr/>
+          <p:nvPr/>
+        </p:nvSpPr>
+        <p:spPr bwMode="black">
+          <a:xfrm>
+            <a:off x="3267426" y="2889117"/>
+            <a:ext cx="79375" cy="79375"/>
+          </a:xfrm>
+          <a:prstGeom prst="ellipse">
+            <a:avLst/>
+          </a:prstGeom>
+          <a:solidFill>
+            <a:schemeClr val="tx1"/>
+          </a:solidFill>
+          <a:ln>
+            <a:noFill/>
+          </a:ln>
+        </p:spPr>
+        <p:style>
+          <a:lnRef idx="2">
+            <a:schemeClr val="accent1">
+              <a:shade val="50000"/>
+            </a:schemeClr>
+          </a:lnRef>
+          <a:fillRef idx="1">
+            <a:schemeClr val="accent1"/>
+          </a:fillRef>
+          <a:effectRef idx="0">
+            <a:schemeClr val="accent1"/>
+          </a:effectRef>
+          <a:fontRef idx="minor">
+            <a:schemeClr val="lt1"/>
+          </a:fontRef>
+        </p:style>
+        <p:txBody>
+          <a:bodyPr anchor="ctr"/>
+          <a:lstStyle/>
+          <a:p>
+            <a:pPr algn="ctr">
+              <a:defRPr/>
+            </a:pPr>
+            <a:endParaRPr lang="de-DE"/>
+          </a:p>
+        </p:txBody>
+      </p:sp>
+      <p:cxnSp>
+        <p:nvCxnSpPr>
+          <p:cNvPr id="81" name="Gerader Verbinder 80"/>
+          <p:cNvCxnSpPr/>
+          <p:nvPr/>
+        </p:nvCxnSpPr>
+        <p:spPr>
+          <a:xfrm>
+            <a:off x="3307114" y="1850296"/>
+            <a:ext cx="0" cy="74612"/>
+          </a:xfrm>
+          <a:prstGeom prst="line">
+            <a:avLst/>
+          </a:prstGeom>
+          <a:ln>
+            <a:solidFill>
+              <a:schemeClr val="tx1"/>
+            </a:solidFill>
+          </a:ln>
+        </p:spPr>
+        <p:style>
+          <a:lnRef idx="1">
+            <a:schemeClr val="accent1"/>
+          </a:lnRef>
+          <a:fillRef idx="0">
+            <a:schemeClr val="accent1"/>
+          </a:fillRef>
+          <a:effectRef idx="0">
+            <a:schemeClr val="accent1"/>
+          </a:effectRef>
+          <a:fontRef idx="minor">
+            <a:schemeClr val="tx1"/>
+          </a:fontRef>
+        </p:style>
+      </p:cxnSp>
+      <p:sp>
+        <p:nvSpPr>
+          <p:cNvPr id="82" name="Ellipse 81"/>
+          <p:cNvSpPr/>
+          <p:nvPr/>
+        </p:nvSpPr>
+        <p:spPr bwMode="black">
+          <a:xfrm>
+            <a:off x="1776765" y="1846327"/>
+            <a:ext cx="77787" cy="77787"/>
+          </a:xfrm>
+          <a:prstGeom prst="ellipse">
+            <a:avLst/>
+          </a:prstGeom>
+          <a:solidFill>
+            <a:schemeClr val="tx1"/>
+          </a:solidFill>
+          <a:ln w="12700">
+            <a:noFill/>
+          </a:ln>
+        </p:spPr>
+        <p:style>
+          <a:lnRef idx="2">
+            <a:schemeClr val="accent1">
+              <a:shade val="50000"/>
+            </a:schemeClr>
+          </a:lnRef>
+          <a:fillRef idx="1">
+            <a:schemeClr val="accent1"/>
+          </a:fillRef>
+          <a:effectRef idx="0">
+            <a:schemeClr val="accent1"/>
+          </a:effectRef>
+          <a:fontRef idx="minor">
+            <a:schemeClr val="lt1"/>
+          </a:fontRef>
+        </p:style>
+        <p:txBody>
+          <a:bodyPr anchor="ctr"/>
+          <a:lstStyle/>
+          <a:p>
+            <a:pPr algn="ctr">
+              <a:defRPr/>
+            </a:pPr>
+            <a:endParaRPr lang="de-DE"/>
+          </a:p>
+        </p:txBody>
+      </p:sp>
+      <p:sp>
+        <p:nvSpPr>
+          <p:cNvPr id="83" name="Ellipse 82"/>
+          <p:cNvSpPr/>
+          <p:nvPr/>
+        </p:nvSpPr>
+        <p:spPr bwMode="black">
+          <a:xfrm>
+            <a:off x="2402240" y="1846327"/>
+            <a:ext cx="77787" cy="77787"/>
+          </a:xfrm>
+          <a:prstGeom prst="ellipse">
+            <a:avLst/>
+          </a:prstGeom>
+          <a:solidFill>
+            <a:schemeClr val="tx1"/>
+          </a:solidFill>
+          <a:ln>
+            <a:noFill/>
+          </a:ln>
+        </p:spPr>
+        <p:style>
+          <a:lnRef idx="2">
+            <a:schemeClr val="accent1">
+              <a:shade val="50000"/>
+            </a:schemeClr>
+          </a:lnRef>
+          <a:fillRef idx="1">
+            <a:schemeClr val="accent1"/>
+          </a:fillRef>
+          <a:effectRef idx="0">
+            <a:schemeClr val="accent1"/>
+          </a:effectRef>
+          <a:fontRef idx="minor">
+            <a:schemeClr val="lt1"/>
+          </a:fontRef>
+        </p:style>
+        <p:txBody>
+          <a:bodyPr anchor="ctr"/>
+          <a:lstStyle/>
+          <a:p>
+            <a:pPr algn="ctr">
+              <a:defRPr/>
+            </a:pPr>
+            <a:endParaRPr lang="de-DE"/>
+          </a:p>
+        </p:txBody>
+      </p:sp>
+      <p:cxnSp>
+        <p:nvCxnSpPr>
+          <p:cNvPr id="84" name="Gerader Verbinder 83"/>
+          <p:cNvCxnSpPr>
+            <a:endCxn id="83" idx="2"/>
+          </p:cNvCxnSpPr>
+          <p:nvPr/>
+        </p:nvCxnSpPr>
+        <p:spPr>
+          <a:xfrm flipV="1">
+            <a:off x="2099027" y="1885221"/>
+            <a:ext cx="303213" cy="793"/>
+          </a:xfrm>
+          <a:prstGeom prst="line">
+            <a:avLst/>
+          </a:prstGeom>
+          <a:ln>
+            <a:solidFill>
+              <a:schemeClr val="tx1"/>
+            </a:solidFill>
+          </a:ln>
+        </p:spPr>
+        <p:style>
+          <a:lnRef idx="1">
+            <a:schemeClr val="accent1"/>
+          </a:lnRef>
+          <a:fillRef idx="0">
+            <a:schemeClr val="accent1"/>
+          </a:fillRef>
+          <a:effectRef idx="0">
+            <a:schemeClr val="accent1"/>
+          </a:effectRef>
+          <a:fontRef idx="minor">
+            <a:schemeClr val="tx1"/>
+          </a:fontRef>
+        </p:style>
+      </p:cxnSp>
+      <p:cxnSp>
+        <p:nvCxnSpPr>
+          <p:cNvPr id="86" name="Gerader Verbinder 85"/>
+          <p:cNvCxnSpPr/>
+          <p:nvPr/>
+        </p:nvCxnSpPr>
+        <p:spPr>
+          <a:xfrm>
+            <a:off x="2099027" y="1849502"/>
+            <a:ext cx="0" cy="74612"/>
+          </a:xfrm>
+          <a:prstGeom prst="line">
+            <a:avLst/>
+          </a:prstGeom>
+          <a:ln>
+            <a:solidFill>
+              <a:schemeClr val="tx1"/>
+            </a:solidFill>
+          </a:ln>
+        </p:spPr>
+        <p:style>
+          <a:lnRef idx="1">
+            <a:schemeClr val="accent1"/>
+          </a:lnRef>
+          <a:fillRef idx="0">
+            <a:schemeClr val="accent1"/>
+          </a:fillRef>
+          <a:effectRef idx="0">
+            <a:schemeClr val="accent1"/>
+          </a:effectRef>
+          <a:fontRef idx="minor">
+            <a:schemeClr val="tx1"/>
+          </a:fontRef>
+        </p:style>
+      </p:cxnSp>
+      <p:sp>
+        <p:nvSpPr>
+          <p:cNvPr id="103" name="Ellipse 102"/>
+          <p:cNvSpPr/>
+          <p:nvPr/>
+        </p:nvSpPr>
+        <p:spPr bwMode="black">
+          <a:xfrm>
+            <a:off x="2060133" y="2881939"/>
+            <a:ext cx="77787" cy="77787"/>
+          </a:xfrm>
+          <a:prstGeom prst="ellipse">
+            <a:avLst/>
+          </a:prstGeom>
+          <a:solidFill>
+            <a:schemeClr val="tx1"/>
+          </a:solidFill>
+          <a:ln>
+            <a:noFill/>
+          </a:ln>
+        </p:spPr>
+        <p:style>
+          <a:lnRef idx="2">
+            <a:schemeClr val="accent1">
+              <a:shade val="50000"/>
+            </a:schemeClr>
+          </a:lnRef>
+          <a:fillRef idx="1">
+            <a:schemeClr val="accent1"/>
+          </a:fillRef>
+          <a:effectRef idx="0">
+            <a:schemeClr val="accent1"/>
+          </a:effectRef>
+          <a:fontRef idx="minor">
+            <a:schemeClr val="lt1"/>
+          </a:fontRef>
+        </p:style>
+        <p:txBody>
+          <a:bodyPr anchor="ctr"/>
+          <a:lstStyle/>
+          <a:p>
+            <a:pPr algn="ctr">
+              <a:defRPr/>
+            </a:pPr>
+            <a:endParaRPr lang="de-DE"/>
+          </a:p>
+        </p:txBody>
+      </p:sp>
+      <p:cxnSp>
+        <p:nvCxnSpPr>
+          <p:cNvPr id="105" name="Gerader Verbinder 104"/>
+          <p:cNvCxnSpPr>
+            <a:endCxn id="83" idx="2"/>
+          </p:cNvCxnSpPr>
+          <p:nvPr/>
+        </p:nvCxnSpPr>
+        <p:spPr>
+          <a:xfrm flipV="1">
+            <a:off x="1825183" y="1885221"/>
+            <a:ext cx="577057" cy="796"/>
+          </a:xfrm>
+          <a:prstGeom prst="line">
+            <a:avLst/>
+          </a:prstGeom>
+          <a:ln>
+            <a:solidFill>
+              <a:schemeClr val="tx1"/>
+            </a:solidFill>
+          </a:ln>
+        </p:spPr>
+        <p:style>
+          <a:lnRef idx="1">
+            <a:schemeClr val="accent1"/>
+          </a:lnRef>
+          <a:fillRef idx="0">
+            <a:schemeClr val="accent1"/>
+          </a:fillRef>
+          <a:effectRef idx="0">
+            <a:schemeClr val="accent1"/>
+          </a:effectRef>
+          <a:fontRef idx="minor">
+            <a:schemeClr val="tx1"/>
+          </a:fontRef>
+        </p:style>
+      </p:cxnSp>
+      <p:cxnSp>
+        <p:nvCxnSpPr>
+          <p:cNvPr id="157" name="Gerader Verbinder 156"/>
+          <p:cNvCxnSpPr/>
+          <p:nvPr/>
+        </p:nvCxnSpPr>
+        <p:spPr>
+          <a:xfrm flipV="1">
+            <a:off x="2723785" y="1882945"/>
+            <a:ext cx="303213" cy="793"/>
+          </a:xfrm>
+          <a:prstGeom prst="line">
+            <a:avLst/>
+          </a:prstGeom>
+          <a:ln>
+            <a:solidFill>
+              <a:schemeClr val="tx1"/>
+            </a:solidFill>
+          </a:ln>
+        </p:spPr>
+        <p:style>
+          <a:lnRef idx="1">
+            <a:schemeClr val="accent1"/>
+          </a:lnRef>
+          <a:fillRef idx="0">
+            <a:schemeClr val="accent1"/>
+          </a:fillRef>
+          <a:effectRef idx="0">
+            <a:schemeClr val="accent1"/>
+          </a:effectRef>
+          <a:fontRef idx="minor">
+            <a:schemeClr val="tx1"/>
+          </a:fontRef>
+        </p:style>
+      </p:cxnSp>
+      <p:cxnSp>
+        <p:nvCxnSpPr>
+          <p:cNvPr id="158" name="Gerader Verbinder 157"/>
+          <p:cNvCxnSpPr/>
+          <p:nvPr/>
+        </p:nvCxnSpPr>
+        <p:spPr>
+          <a:xfrm>
+            <a:off x="2723785" y="1847226"/>
+            <a:ext cx="0" cy="74612"/>
+          </a:xfrm>
+          <a:prstGeom prst="line">
+            <a:avLst/>
+          </a:prstGeom>
+          <a:ln>
+            <a:solidFill>
+              <a:schemeClr val="tx1"/>
+            </a:solidFill>
+          </a:ln>
+        </p:spPr>
+        <p:style>
+          <a:lnRef idx="1">
+            <a:schemeClr val="accent1"/>
+          </a:lnRef>
+          <a:fillRef idx="0">
+            <a:schemeClr val="accent1"/>
+          </a:fillRef>
+          <a:effectRef idx="0">
+            <a:schemeClr val="accent1"/>
+          </a:effectRef>
+          <a:fontRef idx="minor">
+            <a:schemeClr val="tx1"/>
+          </a:fontRef>
+        </p:style>
+      </p:cxnSp>
+      <p:cxnSp>
+        <p:nvCxnSpPr>
+          <p:cNvPr id="159" name="Gerader Verbinder 158"/>
+          <p:cNvCxnSpPr/>
+          <p:nvPr/>
+        </p:nvCxnSpPr>
+        <p:spPr>
+          <a:xfrm flipV="1">
+            <a:off x="2449941" y="1779528"/>
+            <a:ext cx="244931" cy="104211"/>
+          </a:xfrm>
+          <a:prstGeom prst="line">
+            <a:avLst/>
+          </a:prstGeom>
+          <a:ln>
+            <a:solidFill>
+              <a:schemeClr val="tx1"/>
+            </a:solidFill>
+          </a:ln>
+        </p:spPr>
+        <p:style>
+          <a:lnRef idx="1">
+            <a:schemeClr val="accent1"/>
+          </a:lnRef>
+          <a:fillRef idx="0">
+            <a:schemeClr val="accent1"/>
+          </a:fillRef>
+          <a:effectRef idx="0">
+            <a:schemeClr val="accent1"/>
+          </a:effectRef>
+          <a:fontRef idx="minor">
+            <a:schemeClr val="tx1"/>
+          </a:fontRef>
+        </p:style>
+      </p:cxnSp>
+      <p:sp>
+        <p:nvSpPr>
+          <p:cNvPr id="58" name="Ellipse 57"/>
+          <p:cNvSpPr/>
+          <p:nvPr/>
+        </p:nvSpPr>
+        <p:spPr bwMode="black">
+          <a:xfrm>
+            <a:off x="4050544" y="2355752"/>
+            <a:ext cx="82550" cy="80963"/>
+          </a:xfrm>
+          <a:prstGeom prst="ellipse">
+            <a:avLst/>
+          </a:prstGeom>
+          <a:solidFill>
+            <a:schemeClr val="tx1"/>
+          </a:solidFill>
+          <a:ln>
+            <a:noFill/>
+          </a:ln>
+        </p:spPr>
+        <p:style>
+          <a:lnRef idx="2">
+            <a:schemeClr val="accent1">
+              <a:shade val="50000"/>
+            </a:schemeClr>
+          </a:lnRef>
+          <a:fillRef idx="1">
+            <a:schemeClr val="accent1"/>
+          </a:fillRef>
+          <a:effectRef idx="0">
+            <a:schemeClr val="accent1"/>
+          </a:effectRef>
+          <a:fontRef idx="minor">
+            <a:schemeClr val="lt1"/>
+          </a:fontRef>
+        </p:style>
+        <p:txBody>
+          <a:bodyPr anchor="ctr"/>
+          <a:lstStyle/>
+          <a:p>
+            <a:pPr algn="ctr">
+              <a:defRPr/>
+            </a:pPr>
+            <a:endParaRPr lang="de-DE"/>
+          </a:p>
+        </p:txBody>
+      </p:sp>
+      <p:sp>
+        <p:nvSpPr>
+          <p:cNvPr id="60" name="Ellipse 59"/>
+          <p:cNvSpPr/>
+          <p:nvPr/>
+        </p:nvSpPr>
+        <p:spPr bwMode="black">
+          <a:xfrm>
+            <a:off x="5823777" y="2349401"/>
+            <a:ext cx="80963" cy="82550"/>
+          </a:xfrm>
+          <a:prstGeom prst="ellipse">
+            <a:avLst/>
+          </a:prstGeom>
+          <a:solidFill>
+            <a:schemeClr val="tx1"/>
+          </a:solidFill>
+          <a:ln>
+            <a:noFill/>
+          </a:ln>
+        </p:spPr>
+        <p:style>
+          <a:lnRef idx="2">
+            <a:schemeClr val="accent1">
+              <a:shade val="50000"/>
+            </a:schemeClr>
+          </a:lnRef>
+          <a:fillRef idx="1">
+            <a:schemeClr val="accent1"/>
+          </a:fillRef>
+          <a:effectRef idx="0">
+            <a:schemeClr val="accent1"/>
+          </a:effectRef>
+          <a:fontRef idx="minor">
+            <a:schemeClr val="lt1"/>
+          </a:fontRef>
+        </p:style>
+        <p:txBody>
+          <a:bodyPr anchor="ctr"/>
+          <a:lstStyle/>
+          <a:p>
+            <a:pPr algn="ctr">
+              <a:defRPr/>
+            </a:pPr>
+            <a:endParaRPr lang="de-DE"/>
+          </a:p>
+        </p:txBody>
+      </p:sp>
+      <p:sp>
+        <p:nvSpPr>
+          <p:cNvPr id="72" name="Ellipse 71"/>
+          <p:cNvSpPr/>
+          <p:nvPr/>
+        </p:nvSpPr>
+        <p:spPr bwMode="black">
+          <a:xfrm>
+            <a:off x="6207521" y="2343214"/>
+            <a:ext cx="82550" cy="80963"/>
+          </a:xfrm>
+          <a:prstGeom prst="ellipse">
+            <a:avLst/>
+          </a:prstGeom>
+          <a:solidFill>
+            <a:schemeClr val="tx1"/>
+          </a:solidFill>
+          <a:ln>
+            <a:noFill/>
+          </a:ln>
+        </p:spPr>
+        <p:style>
+          <a:lnRef idx="2">
+            <a:schemeClr val="accent1">
+              <a:shade val="50000"/>
+            </a:schemeClr>
+          </a:lnRef>
+          <a:fillRef idx="1">
+            <a:schemeClr val="accent1"/>
+          </a:fillRef>
+          <a:effectRef idx="0">
+            <a:schemeClr val="accent1"/>
+          </a:effectRef>
+          <a:fontRef idx="minor">
+            <a:schemeClr val="lt1"/>
+          </a:fontRef>
+        </p:style>
+        <p:txBody>
+          <a:bodyPr anchor="ctr"/>
+          <a:lstStyle/>
+          <a:p>
+            <a:pPr algn="ctr">
+              <a:defRPr/>
+            </a:pPr>
+            <a:endParaRPr lang="de-DE"/>
+          </a:p>
+        </p:txBody>
+      </p:sp>
+      <p:sp>
+        <p:nvSpPr>
+          <p:cNvPr id="73" name="Ellipse 72"/>
+          <p:cNvSpPr/>
+          <p:nvPr/>
+        </p:nvSpPr>
+        <p:spPr bwMode="black">
+          <a:xfrm>
+            <a:off x="8099858" y="2338344"/>
+            <a:ext cx="80963" cy="82550"/>
+          </a:xfrm>
+          <a:prstGeom prst="ellipse">
+            <a:avLst/>
+          </a:prstGeom>
+          <a:solidFill>
+            <a:schemeClr val="tx1"/>
+          </a:solidFill>
+          <a:ln>
+            <a:noFill/>
+          </a:ln>
+        </p:spPr>
+        <p:style>
+          <a:lnRef idx="2">
+            <a:schemeClr val="accent1">
+              <a:shade val="50000"/>
+            </a:schemeClr>
+          </a:lnRef>
+          <a:fillRef idx="1">
+            <a:schemeClr val="accent1"/>
+          </a:fillRef>
+          <a:effectRef idx="0">
+            <a:schemeClr val="accent1"/>
+          </a:effectRef>
+          <a:fontRef idx="minor">
+            <a:schemeClr val="lt1"/>
+          </a:fontRef>
+        </p:style>
+        <p:txBody>
+          <a:bodyPr anchor="ctr"/>
+          <a:lstStyle/>
+          <a:p>
+            <a:pPr algn="ctr">
+              <a:defRPr/>
+            </a:pPr>
+            <a:endParaRPr lang="de-DE"/>
+          </a:p>
+        </p:txBody>
+      </p:sp>
+      <p:sp>
+        <p:nvSpPr>
+          <p:cNvPr id="76" name="Ellipse 75"/>
+          <p:cNvSpPr/>
+          <p:nvPr/>
+        </p:nvSpPr>
+        <p:spPr bwMode="black">
+          <a:xfrm>
+            <a:off x="2984852" y="2361715"/>
+            <a:ext cx="77787" cy="77787"/>
+          </a:xfrm>
+          <a:prstGeom prst="ellipse">
+            <a:avLst/>
+          </a:prstGeom>
+          <a:solidFill>
+            <a:schemeClr val="tx1"/>
+          </a:solidFill>
+          <a:ln>
+            <a:noFill/>
+          </a:ln>
+        </p:spPr>
+        <p:style>
+          <a:lnRef idx="2">
+            <a:schemeClr val="accent1">
+              <a:shade val="50000"/>
+            </a:schemeClr>
+          </a:lnRef>
+          <a:fillRef idx="1">
+            <a:schemeClr val="accent1"/>
+          </a:fillRef>
+          <a:effectRef idx="0">
+            <a:schemeClr val="accent1"/>
+          </a:effectRef>
+          <a:fontRef idx="minor">
+            <a:schemeClr val="lt1"/>
+          </a:fontRef>
+        </p:style>
+        <p:txBody>
+          <a:bodyPr anchor="ctr"/>
+          <a:lstStyle/>
+          <a:p>
+            <a:pPr algn="ctr">
+              <a:defRPr/>
+            </a:pPr>
+            <a:endParaRPr lang="de-DE"/>
+          </a:p>
+        </p:txBody>
+      </p:sp>
+      <p:sp>
+        <p:nvSpPr>
+          <p:cNvPr id="77" name="Ellipse 76"/>
+          <p:cNvSpPr/>
+          <p:nvPr/>
+        </p:nvSpPr>
+        <p:spPr bwMode="black">
+          <a:xfrm>
+            <a:off x="3610327" y="2361715"/>
+            <a:ext cx="77787" cy="77787"/>
+          </a:xfrm>
+          <a:prstGeom prst="ellipse">
+            <a:avLst/>
+          </a:prstGeom>
+          <a:solidFill>
+            <a:schemeClr val="tx1"/>
+          </a:solidFill>
+          <a:ln>
+            <a:noFill/>
+          </a:ln>
+        </p:spPr>
+        <p:style>
+          <a:lnRef idx="2">
+            <a:schemeClr val="accent1">
+              <a:shade val="50000"/>
+            </a:schemeClr>
+          </a:lnRef>
+          <a:fillRef idx="1">
+            <a:schemeClr val="accent1"/>
+          </a:fillRef>
+          <a:effectRef idx="0">
+            <a:schemeClr val="accent1"/>
+          </a:effectRef>
+          <a:fontRef idx="minor">
+            <a:schemeClr val="lt1"/>
+          </a:fontRef>
+        </p:style>
+        <p:txBody>
+          <a:bodyPr anchor="ctr"/>
+          <a:lstStyle/>
+          <a:p>
+            <a:pPr algn="ctr">
+              <a:defRPr/>
+            </a:pPr>
+            <a:endParaRPr lang="de-DE"/>
+          </a:p>
+        </p:txBody>
+      </p:sp>
+      <p:cxnSp>
+        <p:nvCxnSpPr>
+          <p:cNvPr id="79" name="Gerader Verbinder 78"/>
+          <p:cNvCxnSpPr>
+            <a:stCxn id="76" idx="6"/>
+            <a:endCxn id="77" idx="2"/>
+          </p:cNvCxnSpPr>
+          <p:nvPr/>
+        </p:nvCxnSpPr>
+        <p:spPr>
+          <a:xfrm>
+            <a:off x="3062639" y="2401402"/>
+            <a:ext cx="547688" cy="0"/>
+          </a:xfrm>
+          <a:prstGeom prst="line">
+            <a:avLst/>
+          </a:prstGeom>
+          <a:ln>
+            <a:solidFill>
+              <a:schemeClr val="tx1"/>
+            </a:solidFill>
+          </a:ln>
+        </p:spPr>
+        <p:style>
+          <a:lnRef idx="1">
+            <a:schemeClr val="accent1"/>
+          </a:lnRef>
+          <a:fillRef idx="0">
+            <a:schemeClr val="accent1"/>
+          </a:fillRef>
+          <a:effectRef idx="0">
+            <a:schemeClr val="accent1"/>
+          </a:effectRef>
+          <a:fontRef idx="minor">
+            <a:schemeClr val="tx1"/>
+          </a:fontRef>
+        </p:style>
+      </p:cxnSp>
+      <p:sp>
+        <p:nvSpPr>
+          <p:cNvPr id="87" name="Ellipse 86"/>
+          <p:cNvSpPr/>
+          <p:nvPr/>
+        </p:nvSpPr>
+        <p:spPr bwMode="black">
+          <a:xfrm>
+            <a:off x="1776765" y="2360921"/>
+            <a:ext cx="77787" cy="77787"/>
+          </a:xfrm>
+          <a:prstGeom prst="ellipse">
+            <a:avLst/>
+          </a:prstGeom>
+          <a:solidFill>
+            <a:schemeClr val="tx1"/>
+          </a:solidFill>
+          <a:ln w="12700">
+            <a:noFill/>
+          </a:ln>
+        </p:spPr>
+        <p:style>
+          <a:lnRef idx="2">
+            <a:schemeClr val="accent1">
+              <a:shade val="50000"/>
+            </a:schemeClr>
+          </a:lnRef>
+          <a:fillRef idx="1">
+            <a:schemeClr val="accent1"/>
+          </a:fillRef>
+          <a:effectRef idx="0">
+            <a:schemeClr val="accent1"/>
+          </a:effectRef>
+          <a:fontRef idx="minor">
+            <a:schemeClr val="lt1"/>
+          </a:fontRef>
+        </p:style>
+        <p:txBody>
+          <a:bodyPr anchor="ctr"/>
+          <a:lstStyle/>
+          <a:p>
+            <a:pPr algn="ctr">
+              <a:defRPr/>
+            </a:pPr>
+            <a:endParaRPr lang="de-DE"/>
+          </a:p>
+        </p:txBody>
+      </p:sp>
+      <p:sp>
+        <p:nvSpPr>
+          <p:cNvPr id="88" name="Ellipse 87"/>
+          <p:cNvSpPr/>
+          <p:nvPr/>
+        </p:nvSpPr>
+        <p:spPr bwMode="black">
+          <a:xfrm>
+            <a:off x="2402240" y="2360921"/>
+            <a:ext cx="77787" cy="77787"/>
+          </a:xfrm>
+          <a:prstGeom prst="ellipse">
+            <a:avLst/>
+          </a:prstGeom>
+          <a:solidFill>
+            <a:schemeClr val="tx1"/>
+          </a:solidFill>
+          <a:ln>
+            <a:noFill/>
+          </a:ln>
+        </p:spPr>
+        <p:style>
+          <a:lnRef idx="2">
+            <a:schemeClr val="accent1">
+              <a:shade val="50000"/>
+            </a:schemeClr>
+          </a:lnRef>
+          <a:fillRef idx="1">
+            <a:schemeClr val="accent1"/>
+          </a:fillRef>
+          <a:effectRef idx="0">
+            <a:schemeClr val="accent1"/>
+          </a:effectRef>
+          <a:fontRef idx="minor">
+            <a:schemeClr val="lt1"/>
+          </a:fontRef>
+        </p:style>
+        <p:txBody>
+          <a:bodyPr anchor="ctr"/>
+          <a:lstStyle/>
+          <a:p>
+            <a:pPr algn="ctr">
+              <a:defRPr/>
+            </a:pPr>
+            <a:endParaRPr lang="de-DE"/>
+          </a:p>
+        </p:txBody>
+      </p:sp>
+      <p:cxnSp>
+        <p:nvCxnSpPr>
+          <p:cNvPr id="90" name="Gerader Verbinder 89"/>
+          <p:cNvCxnSpPr>
+            <a:endCxn id="88" idx="2"/>
+          </p:cNvCxnSpPr>
+          <p:nvPr/>
+        </p:nvCxnSpPr>
+        <p:spPr>
+          <a:xfrm flipV="1">
+            <a:off x="2099027" y="2399815"/>
+            <a:ext cx="303213" cy="793"/>
+          </a:xfrm>
+          <a:prstGeom prst="line">
+            <a:avLst/>
+          </a:prstGeom>
+          <a:ln>
+            <a:solidFill>
+              <a:schemeClr val="tx1"/>
+            </a:solidFill>
+          </a:ln>
+        </p:spPr>
+        <p:style>
+          <a:lnRef idx="1">
+            <a:schemeClr val="accent1"/>
+          </a:lnRef>
+          <a:fillRef idx="0">
+            <a:schemeClr val="accent1"/>
+          </a:fillRef>
+          <a:effectRef idx="0">
+            <a:schemeClr val="accent1"/>
+          </a:effectRef>
+          <a:fontRef idx="minor">
+            <a:schemeClr val="tx1"/>
+          </a:fontRef>
+        </p:style>
+      </p:cxnSp>
+      <p:cxnSp>
+        <p:nvCxnSpPr>
+          <p:cNvPr id="92" name="Gerader Verbinder 91"/>
+          <p:cNvCxnSpPr>
+            <a:endCxn id="88" idx="2"/>
+          </p:cNvCxnSpPr>
+          <p:nvPr/>
+        </p:nvCxnSpPr>
+        <p:spPr>
+          <a:xfrm flipV="1">
+            <a:off x="1825183" y="2399815"/>
+            <a:ext cx="577057" cy="796"/>
+          </a:xfrm>
+          <a:prstGeom prst="line">
+            <a:avLst/>
+          </a:prstGeom>
+          <a:ln>
+            <a:solidFill>
+              <a:schemeClr val="tx1"/>
+            </a:solidFill>
+          </a:ln>
+        </p:spPr>
+        <p:style>
+          <a:lnRef idx="1">
+            <a:schemeClr val="accent1"/>
+          </a:lnRef>
+          <a:fillRef idx="0">
+            <a:schemeClr val="accent1"/>
+          </a:fillRef>
+          <a:effectRef idx="0">
+            <a:schemeClr val="accent1"/>
+          </a:effectRef>
+          <a:fontRef idx="minor">
+            <a:schemeClr val="tx1"/>
+          </a:fontRef>
+        </p:style>
+      </p:cxnSp>
+      <p:sp>
+        <p:nvSpPr>
+          <p:cNvPr id="107" name="Rechteck 106"/>
+          <p:cNvSpPr/>
+          <p:nvPr/>
+        </p:nvSpPr>
+        <p:spPr>
+          <a:xfrm>
+            <a:off x="1975632" y="2367758"/>
+            <a:ext cx="250825" cy="68263"/>
+          </a:xfrm>
+          <a:prstGeom prst="rect">
+            <a:avLst/>
+          </a:prstGeom>
+          <a:solidFill>
+            <a:schemeClr val="tx1"/>
+          </a:solidFill>
+          <a:ln>
+            <a:solidFill>
+              <a:schemeClr val="tx1"/>
+            </a:solidFill>
+          </a:ln>
+        </p:spPr>
+        <p:style>
+          <a:lnRef idx="2">
+            <a:schemeClr val="accent1">
+              <a:shade val="50000"/>
+            </a:schemeClr>
+          </a:lnRef>
+          <a:fillRef idx="1">
+            <a:schemeClr val="accent1"/>
+          </a:fillRef>
+          <a:effectRef idx="0">
+            <a:schemeClr val="accent1"/>
+          </a:effectRef>
+          <a:fontRef idx="minor">
+            <a:schemeClr val="lt1"/>
+          </a:fontRef>
+        </p:style>
+        <p:txBody>
+          <a:bodyPr anchor="ctr"/>
+          <a:lstStyle/>
+          <a:p>
+            <a:pPr algn="ctr">
+              <a:defRPr/>
+            </a:pPr>
+            <a:endParaRPr lang="de-DE"/>
+          </a:p>
+        </p:txBody>
+      </p:sp>
+      <p:sp>
+        <p:nvSpPr>
+          <p:cNvPr id="108" name="Rechteck 107"/>
+          <p:cNvSpPr/>
+          <p:nvPr/>
+        </p:nvSpPr>
+        <p:spPr>
+          <a:xfrm>
+            <a:off x="3217107" y="2370445"/>
+            <a:ext cx="250825" cy="68263"/>
+          </a:xfrm>
+          <a:prstGeom prst="rect">
+            <a:avLst/>
+          </a:prstGeom>
+          <a:solidFill>
+            <a:schemeClr val="tx1"/>
+          </a:solidFill>
+          <a:ln>
+            <a:solidFill>
+              <a:schemeClr val="tx1"/>
+            </a:solidFill>
+          </a:ln>
+        </p:spPr>
+        <p:style>
+          <a:lnRef idx="2">
+            <a:schemeClr val="accent1">
+              <a:shade val="50000"/>
+            </a:schemeClr>
+          </a:lnRef>
+          <a:fillRef idx="1">
+            <a:schemeClr val="accent1"/>
+          </a:fillRef>
+          <a:effectRef idx="0">
+            <a:schemeClr val="accent1"/>
+          </a:effectRef>
+          <a:fontRef idx="minor">
+            <a:schemeClr val="lt1"/>
+          </a:fontRef>
+        </p:style>
+        <p:txBody>
+          <a:bodyPr anchor="ctr"/>
+          <a:lstStyle/>
+          <a:p>
+            <a:pPr algn="ctr">
+              <a:defRPr/>
+            </a:pPr>
             <a:endParaRPr lang="de-DE"/>
           </a:p>
         </p:txBody>
